--- a/lectures/7/Developing the sampling plan.pptx
+++ b/lectures/7/Developing the sampling plan.pptx
@@ -6075,7 +6075,7 @@
           <a:p>
             <a:fld id="{73B2889B-A0AC-4482-8592-5C96F2309420}" type="datetimeFigureOut">
               <a:rPr lang="en-US" smtClean="0"/>
-              <a:t>10/4/2021</a:t>
+              <a:t>1/19/2022</a:t>
             </a:fld>
             <a:endParaRPr lang="en-US"/>
           </a:p>
@@ -6252,7 +6252,7 @@
           <a:p>
             <a:fld id="{830EB223-FFC0-462A-A3B8-EAA7CE0F8CBD}" type="datetimeFigureOut">
               <a:rPr lang="en-US" smtClean="0"/>
-              <a:t>10/4/2021</a:t>
+              <a:t>1/19/2022</a:t>
             </a:fld>
             <a:endParaRPr lang="en-US" dirty="0"/>
           </a:p>
@@ -9232,7 +9232,7 @@
           <a:p>
             <a:fld id="{DECF21A4-E71B-4D3A-AF45-E989C23A7BB1}" type="datetimeFigureOut">
               <a:rPr lang="en-US" smtClean="0"/>
-              <a:t>10/4/2021</a:t>
+              <a:t>1/19/2022</a:t>
             </a:fld>
             <a:endParaRPr lang="en-US" dirty="0"/>
           </a:p>
@@ -9430,7 +9430,7 @@
           <a:p>
             <a:fld id="{DECF21A4-E71B-4D3A-AF45-E989C23A7BB1}" type="datetimeFigureOut">
               <a:rPr lang="en-US" smtClean="0"/>
-              <a:t>10/4/2021</a:t>
+              <a:t>1/19/2022</a:t>
             </a:fld>
             <a:endParaRPr lang="en-US" dirty="0"/>
           </a:p>
@@ -9638,7 +9638,7 @@
           <a:p>
             <a:fld id="{DECF21A4-E71B-4D3A-AF45-E989C23A7BB1}" type="datetimeFigureOut">
               <a:rPr lang="en-US" smtClean="0"/>
-              <a:t>10/4/2021</a:t>
+              <a:t>1/19/2022</a:t>
             </a:fld>
             <a:endParaRPr lang="en-US" dirty="0"/>
           </a:p>
@@ -9836,7 +9836,7 @@
           <a:p>
             <a:fld id="{DECF21A4-E71B-4D3A-AF45-E989C23A7BB1}" type="datetimeFigureOut">
               <a:rPr lang="en-US" smtClean="0"/>
-              <a:t>10/4/2021</a:t>
+              <a:t>1/19/2022</a:t>
             </a:fld>
             <a:endParaRPr lang="en-US" dirty="0"/>
           </a:p>
@@ -10111,7 +10111,7 @@
           <a:p>
             <a:fld id="{DECF21A4-E71B-4D3A-AF45-E989C23A7BB1}" type="datetimeFigureOut">
               <a:rPr lang="en-US" smtClean="0"/>
-              <a:t>10/4/2021</a:t>
+              <a:t>1/19/2022</a:t>
             </a:fld>
             <a:endParaRPr lang="en-US" dirty="0"/>
           </a:p>
@@ -10376,7 +10376,7 @@
           <a:p>
             <a:fld id="{DECF21A4-E71B-4D3A-AF45-E989C23A7BB1}" type="datetimeFigureOut">
               <a:rPr lang="en-US" smtClean="0"/>
-              <a:t>10/4/2021</a:t>
+              <a:t>1/19/2022</a:t>
             </a:fld>
             <a:endParaRPr lang="en-US" dirty="0"/>
           </a:p>
@@ -10788,7 +10788,7 @@
           <a:p>
             <a:fld id="{DECF21A4-E71B-4D3A-AF45-E989C23A7BB1}" type="datetimeFigureOut">
               <a:rPr lang="en-US" smtClean="0"/>
-              <a:t>10/4/2021</a:t>
+              <a:t>1/19/2022</a:t>
             </a:fld>
             <a:endParaRPr lang="en-US" dirty="0"/>
           </a:p>
@@ -10929,7 +10929,7 @@
           <a:p>
             <a:fld id="{DECF21A4-E71B-4D3A-AF45-E989C23A7BB1}" type="datetimeFigureOut">
               <a:rPr lang="en-US" smtClean="0"/>
-              <a:t>10/4/2021</a:t>
+              <a:t>1/19/2022</a:t>
             </a:fld>
             <a:endParaRPr lang="en-US" dirty="0"/>
           </a:p>
@@ -11042,7 +11042,7 @@
           <a:p>
             <a:fld id="{DECF21A4-E71B-4D3A-AF45-E989C23A7BB1}" type="datetimeFigureOut">
               <a:rPr lang="en-US" smtClean="0"/>
-              <a:t>10/4/2021</a:t>
+              <a:t>1/19/2022</a:t>
             </a:fld>
             <a:endParaRPr lang="en-US" dirty="0"/>
           </a:p>
@@ -11353,7 +11353,7 @@
           <a:p>
             <a:fld id="{DECF21A4-E71B-4D3A-AF45-E989C23A7BB1}" type="datetimeFigureOut">
               <a:rPr lang="en-US" smtClean="0"/>
-              <a:t>10/4/2021</a:t>
+              <a:t>1/19/2022</a:t>
             </a:fld>
             <a:endParaRPr lang="en-US" dirty="0"/>
           </a:p>
@@ -11645,7 +11645,7 @@
           <a:p>
             <a:fld id="{DECF21A4-E71B-4D3A-AF45-E989C23A7BB1}" type="datetimeFigureOut">
               <a:rPr lang="en-US" smtClean="0"/>
-              <a:t>10/4/2021</a:t>
+              <a:t>1/19/2022</a:t>
             </a:fld>
             <a:endParaRPr lang="en-US" dirty="0"/>
           </a:p>
@@ -11886,7 +11886,7 @@
           <a:p>
             <a:fld id="{DECF21A4-E71B-4D3A-AF45-E989C23A7BB1}" type="datetimeFigureOut">
               <a:rPr lang="en-US" smtClean="0"/>
-              <a:t>10/4/2021</a:t>
+              <a:t>1/19/2022</a:t>
             </a:fld>
             <a:endParaRPr lang="en-US" dirty="0"/>
           </a:p>
@@ -12287,7 +12287,7 @@
 </file>
 
 <file path=ppt/slides/slide1.xml><?xml version="1.0" encoding="utf-8"?>
-<p:sld xmlns:a="http://schemas.openxmlformats.org/drawingml/2006/main" xmlns:r="http://schemas.openxmlformats.org/officeDocument/2006/relationships" xmlns:p="http://schemas.openxmlformats.org/presentationml/2006/main">
+<p:sld xmlns:a="http://schemas.openxmlformats.org/drawingml/2006/main" xmlns:r="http://schemas.openxmlformats.org/officeDocument/2006/relationships" xmlns:p="http://schemas.openxmlformats.org/presentationml/2006/main" show="0">
   <p:cSld>
     <p:bg>
       <p:bgPr>
@@ -21378,8 +21378,8 @@
           </a:p>
         </p:txBody>
       </p:sp>
-      <mc:AlternateContent xmlns:mc="http://schemas.openxmlformats.org/markup-compatibility/2006">
-        <mc:Choice xmlns:a14="http://schemas.microsoft.com/office/drawing/2010/main" Requires="a14">
+      <mc:AlternateContent xmlns:mc="http://schemas.openxmlformats.org/markup-compatibility/2006" xmlns:a14="http://schemas.microsoft.com/office/drawing/2010/main">
+        <mc:Choice Requires="a14">
           <p:sp>
             <p:nvSpPr>
               <p:cNvPr id="3" name="Content Placeholder 2">
@@ -21541,7 +21541,7 @@
             </p:txBody>
           </p:sp>
         </mc:Choice>
-        <mc:Fallback>
+        <mc:Fallback xmlns="">
           <p:sp>
             <p:nvSpPr>
               <p:cNvPr id="3" name="Content Placeholder 2">
@@ -36040,20 +36040,20 @@
 </file>
 
 <file path=customXml/item2.xml><?xml version="1.0" encoding="utf-8"?>
-<p:properties xmlns:p="http://schemas.microsoft.com/office/2006/metadata/properties" xmlns:xsi="http://www.w3.org/2001/XMLSchema-instance" xmlns:pc="http://schemas.microsoft.com/office/infopath/2007/PartnerControls">
-  <documentManagement>
-    <MediaServiceKeyPoints xmlns="71af3243-3dd4-4a8d-8c0d-dd76da1f02a5" xsi:nil="true"/>
-  </documentManagement>
-</p:properties>
-</file>
-
-<file path=customXml/item3.xml><?xml version="1.0" encoding="utf-8"?>
 <?mso-contentType ?>
 <FormTemplates xmlns="http://schemas.microsoft.com/sharepoint/v3/contenttype/forms">
   <Display>DocumentLibraryForm</Display>
   <Edit>DocumentLibraryForm</Edit>
   <New>DocumentLibraryForm</New>
 </FormTemplates>
+</file>
+
+<file path=customXml/item3.xml><?xml version="1.0" encoding="utf-8"?>
+<p:properties xmlns:p="http://schemas.microsoft.com/office/2006/metadata/properties" xmlns:xsi="http://www.w3.org/2001/XMLSchema-instance" xmlns:pc="http://schemas.microsoft.com/office/infopath/2007/PartnerControls">
+  <documentManagement>
+    <MediaServiceKeyPoints xmlns="71af3243-3dd4-4a8d-8c0d-dd76da1f02a5" xsi:nil="true"/>
+  </documentManagement>
+</p:properties>
 </file>
 
 <file path=customXml/itemProps1.xml><?xml version="1.0" encoding="utf-8"?>
@@ -36076,6 +36076,14 @@
 </file>
 
 <file path=customXml/itemProps2.xml><?xml version="1.0" encoding="utf-8"?>
+<ds:datastoreItem xmlns:ds="http://schemas.openxmlformats.org/officeDocument/2006/customXml" ds:itemID="{5CA875DA-F9FD-4F83-A049-3B1027B542DE}">
+  <ds:schemaRefs>
+    <ds:schemaRef ds:uri="http://schemas.microsoft.com/sharepoint/v3/contenttype/forms"/>
+  </ds:schemaRefs>
+</ds:datastoreItem>
+</file>
+
+<file path=customXml/itemProps3.xml><?xml version="1.0" encoding="utf-8"?>
 <ds:datastoreItem xmlns:ds="http://schemas.openxmlformats.org/officeDocument/2006/customXml" ds:itemID="{03C7D9E6-B0D9-433E-BD46-EB60F64F4DA8}">
   <ds:schemaRefs>
     <ds:schemaRef ds:uri="http://schemas.microsoft.com/office/2006/metadata/properties"/>
@@ -36083,12 +36091,4 @@
     <ds:schemaRef ds:uri="71af3243-3dd4-4a8d-8c0d-dd76da1f02a5"/>
   </ds:schemaRefs>
 </ds:datastoreItem>
-</file>
-
-<file path=customXml/itemProps3.xml><?xml version="1.0" encoding="utf-8"?>
-<ds:datastoreItem xmlns:ds="http://schemas.openxmlformats.org/officeDocument/2006/customXml" ds:itemID="{5CA875DA-F9FD-4F83-A049-3B1027B542DE}">
-  <ds:schemaRefs>
-    <ds:schemaRef ds:uri="http://schemas.microsoft.com/sharepoint/v3/contenttype/forms"/>
-  </ds:schemaRefs>
-</ds:datastoreItem>
 </file>
--- a/lectures/7/Developing the sampling plan.pptx
+++ b/lectures/7/Developing the sampling plan.pptx
@@ -5,45 +5,46 @@
     <p:sldMasterId id="2147483648" r:id="rId4"/>
   </p:sldMasterIdLst>
   <p:notesMasterIdLst>
-    <p:notesMasterId r:id="rId38"/>
+    <p:notesMasterId r:id="rId39"/>
   </p:notesMasterIdLst>
   <p:handoutMasterIdLst>
-    <p:handoutMasterId r:id="rId39"/>
+    <p:handoutMasterId r:id="rId40"/>
   </p:handoutMasterIdLst>
   <p:sldIdLst>
     <p:sldId id="315" r:id="rId5"/>
-    <p:sldId id="316" r:id="rId6"/>
-    <p:sldId id="317" r:id="rId7"/>
-    <p:sldId id="318" r:id="rId8"/>
-    <p:sldId id="319" r:id="rId9"/>
-    <p:sldId id="320" r:id="rId10"/>
-    <p:sldId id="321" r:id="rId11"/>
-    <p:sldId id="322" r:id="rId12"/>
-    <p:sldId id="323" r:id="rId13"/>
-    <p:sldId id="294" r:id="rId14"/>
-    <p:sldId id="295" r:id="rId15"/>
-    <p:sldId id="296" r:id="rId16"/>
-    <p:sldId id="297" r:id="rId17"/>
-    <p:sldId id="298" r:id="rId18"/>
-    <p:sldId id="300" r:id="rId19"/>
-    <p:sldId id="301" r:id="rId20"/>
-    <p:sldId id="302" r:id="rId21"/>
-    <p:sldId id="303" r:id="rId22"/>
-    <p:sldId id="304" r:id="rId23"/>
-    <p:sldId id="326" r:id="rId24"/>
-    <p:sldId id="299" r:id="rId25"/>
-    <p:sldId id="305" r:id="rId26"/>
-    <p:sldId id="306" r:id="rId27"/>
-    <p:sldId id="307" r:id="rId28"/>
-    <p:sldId id="308" r:id="rId29"/>
-    <p:sldId id="309" r:id="rId30"/>
-    <p:sldId id="310" r:id="rId31"/>
-    <p:sldId id="311" r:id="rId32"/>
-    <p:sldId id="325" r:id="rId33"/>
-    <p:sldId id="314" r:id="rId34"/>
-    <p:sldId id="324" r:id="rId35"/>
-    <p:sldId id="312" r:id="rId36"/>
-    <p:sldId id="313" r:id="rId37"/>
+    <p:sldId id="327" r:id="rId6"/>
+    <p:sldId id="316" r:id="rId7"/>
+    <p:sldId id="317" r:id="rId8"/>
+    <p:sldId id="318" r:id="rId9"/>
+    <p:sldId id="319" r:id="rId10"/>
+    <p:sldId id="320" r:id="rId11"/>
+    <p:sldId id="321" r:id="rId12"/>
+    <p:sldId id="322" r:id="rId13"/>
+    <p:sldId id="323" r:id="rId14"/>
+    <p:sldId id="294" r:id="rId15"/>
+    <p:sldId id="295" r:id="rId16"/>
+    <p:sldId id="296" r:id="rId17"/>
+    <p:sldId id="297" r:id="rId18"/>
+    <p:sldId id="298" r:id="rId19"/>
+    <p:sldId id="300" r:id="rId20"/>
+    <p:sldId id="301" r:id="rId21"/>
+    <p:sldId id="302" r:id="rId22"/>
+    <p:sldId id="303" r:id="rId23"/>
+    <p:sldId id="304" r:id="rId24"/>
+    <p:sldId id="326" r:id="rId25"/>
+    <p:sldId id="299" r:id="rId26"/>
+    <p:sldId id="305" r:id="rId27"/>
+    <p:sldId id="306" r:id="rId28"/>
+    <p:sldId id="307" r:id="rId29"/>
+    <p:sldId id="308" r:id="rId30"/>
+    <p:sldId id="309" r:id="rId31"/>
+    <p:sldId id="310" r:id="rId32"/>
+    <p:sldId id="311" r:id="rId33"/>
+    <p:sldId id="325" r:id="rId34"/>
+    <p:sldId id="314" r:id="rId35"/>
+    <p:sldId id="324" r:id="rId36"/>
+    <p:sldId id="312" r:id="rId37"/>
+    <p:sldId id="313" r:id="rId38"/>
   </p:sldIdLst>
   <p:sldSz cx="12192000" cy="6858000"/>
   <p:notesSz cx="6858000" cy="9144000"/>
@@ -6075,7 +6076,7 @@
           <a:p>
             <a:fld id="{73B2889B-A0AC-4482-8592-5C96F2309420}" type="datetimeFigureOut">
               <a:rPr lang="en-US" smtClean="0"/>
-              <a:t>1/19/2022</a:t>
+              <a:t>3/1/2022</a:t>
             </a:fld>
             <a:endParaRPr lang="en-US"/>
           </a:p>
@@ -6252,7 +6253,7 @@
           <a:p>
             <a:fld id="{830EB223-FFC0-462A-A3B8-EAA7CE0F8CBD}" type="datetimeFigureOut">
               <a:rPr lang="en-US" smtClean="0"/>
-              <a:t>1/19/2022</a:t>
+              <a:t>3/1/2022</a:t>
             </a:fld>
             <a:endParaRPr lang="en-US" dirty="0"/>
           </a:p>
@@ -6584,7 +6585,7 @@
           <a:p>
             <a:fld id="{BC849E9A-41F7-4779-A581-48A7C374A227}" type="slidenum">
               <a:rPr lang="en-US" smtClean="0"/>
-              <a:t>8</a:t>
+              <a:t>9</a:t>
             </a:fld>
             <a:endParaRPr lang="en-US" dirty="0"/>
           </a:p>
@@ -6719,7 +6720,7 @@
           <a:p>
             <a:fld id="{BC849E9A-41F7-4779-A581-48A7C374A227}" type="slidenum">
               <a:rPr lang="en-US" smtClean="0"/>
-              <a:t>18</a:t>
+              <a:t>19</a:t>
             </a:fld>
             <a:endParaRPr lang="en-US" dirty="0"/>
           </a:p>
@@ -6858,7 +6859,7 @@
           <a:p>
             <a:fld id="{BC849E9A-41F7-4779-A581-48A7C374A227}" type="slidenum">
               <a:rPr lang="en-US" smtClean="0"/>
-              <a:t>19</a:t>
+              <a:t>20</a:t>
             </a:fld>
             <a:endParaRPr lang="en-US" dirty="0"/>
           </a:p>
@@ -6975,7 +6976,7 @@
           <a:p>
             <a:fld id="{BC849E9A-41F7-4779-A581-48A7C374A227}" type="slidenum">
               <a:rPr lang="en-US" smtClean="0"/>
-              <a:t>20</a:t>
+              <a:t>21</a:t>
             </a:fld>
             <a:endParaRPr lang="en-US" dirty="0"/>
           </a:p>
@@ -7040,21 +7041,13 @@
           <a:p>
             <a:r>
               <a:rPr lang="en-US" dirty="0"/>
-              <a:t>The last type of error is researcher’s error, or office </a:t>
+              <a:t>The last type of error is researcher’s error, or office error. </a:t>
             </a:r>
-            <a:r>
-              <a:rPr lang="en-US" dirty="0" err="1"/>
-              <a:t>eero</a:t>
-            </a:r>
+          </a:p>
+          <a:p>
             <a:r>
               <a:rPr lang="en-US" dirty="0"/>
-              <a:t>. </a:t>
-            </a:r>
-          </a:p>
-          <a:p>
-            <a:r>
-              <a:rPr lang="en-US" dirty="0"/>
-              <a:t>It’s error due to … </a:t>
+              <a:t>It’s the error due to … </a:t>
             </a:r>
           </a:p>
         </p:txBody>
@@ -7076,7 +7069,7 @@
           <a:p>
             <a:fld id="{BC849E9A-41F7-4779-A581-48A7C374A227}" type="slidenum">
               <a:rPr lang="en-US" smtClean="0"/>
-              <a:t>21</a:t>
+              <a:t>22</a:t>
             </a:fld>
             <a:endParaRPr lang="en-US" dirty="0"/>
           </a:p>
@@ -7163,7 +7156,7 @@
           <a:p>
             <a:fld id="{BC849E9A-41F7-4779-A581-48A7C374A227}" type="slidenum">
               <a:rPr lang="en-US" smtClean="0"/>
-              <a:t>24</a:t>
+              <a:t>25</a:t>
             </a:fld>
             <a:endParaRPr lang="en-US" dirty="0"/>
           </a:p>
@@ -7305,7 +7298,7 @@
           <a:p>
             <a:fld id="{BC849E9A-41F7-4779-A581-48A7C374A227}" type="slidenum">
               <a:rPr lang="en-US" smtClean="0"/>
-              <a:t>26</a:t>
+              <a:t>27</a:t>
             </a:fld>
             <a:endParaRPr lang="en-US" dirty="0"/>
           </a:p>
@@ -7389,7 +7382,7 @@
           <a:p>
             <a:fld id="{BC849E9A-41F7-4779-A581-48A7C374A227}" type="slidenum">
               <a:rPr lang="en-US" smtClean="0"/>
-              <a:t>27</a:t>
+              <a:t>28</a:t>
             </a:fld>
             <a:endParaRPr lang="en-US" dirty="0"/>
           </a:p>
@@ -7460,7 +7453,7 @@
           <a:p>
             <a:r>
               <a:rPr lang="en-US" dirty="0"/>
-              <a:t>I just wan to highlight that with surveys that ask about sensitive matter, please remember to guarantee confidentiality or anonymity </a:t>
+              <a:t>I just want to highlight that with surveys that ask about sensitive matters, please remember to guarantee confidentiality or anonymity </a:t>
             </a:r>
           </a:p>
         </p:txBody>
@@ -7482,7 +7475,7 @@
           <a:p>
             <a:fld id="{BC849E9A-41F7-4779-A581-48A7C374A227}" type="slidenum">
               <a:rPr lang="en-US" smtClean="0"/>
-              <a:t>28</a:t>
+              <a:t>29</a:t>
             </a:fld>
             <a:endParaRPr lang="en-US" dirty="0"/>
           </a:p>
@@ -7575,7 +7568,7 @@
           <a:p>
             <a:fld id="{BC849E9A-41F7-4779-A581-48A7C374A227}" type="slidenum">
               <a:rPr lang="en-US" smtClean="0"/>
-              <a:t>29</a:t>
+              <a:t>30</a:t>
             </a:fld>
             <a:endParaRPr lang="en-US" dirty="0"/>
           </a:p>
@@ -7662,7 +7655,7 @@
           <a:p>
             <a:fld id="{BC849E9A-41F7-4779-A581-48A7C374A227}" type="slidenum">
               <a:rPr lang="en-US" smtClean="0"/>
-              <a:t>30</a:t>
+              <a:t>31</a:t>
             </a:fld>
             <a:endParaRPr lang="en-US" dirty="0"/>
           </a:p>
@@ -7752,6 +7745,16 @@
             </a:r>
           </a:p>
           <a:p>
+            <a:r>
+              <a:rPr lang="en-US" dirty="0" err="1"/>
+              <a:t>Sampling_dist</a:t>
+            </a:r>
+            <a:endParaRPr lang="en-US" dirty="0"/>
+          </a:p>
+          <a:p>
+            <a:endParaRPr lang="en-US" dirty="0"/>
+          </a:p>
+          <a:p>
             <a:endParaRPr lang="en-US" dirty="0"/>
           </a:p>
           <a:p>
@@ -7760,7 +7763,7 @@
           <a:p>
             <a:r>
               <a:rPr lang="en-US" dirty="0"/>
-              <a:t>It is impossible to find out variance of heights in human beings, for our absolute lack of information about heights of all living human beings, not to talk of the future. Even if we take one moderate example, like population data on heights of all the living men in US it is physically possible, but the cost and time involved in this would defeat the purpose of its calculation. </a:t>
+              <a:t>It is impossible to find out variance of heights in human beings, for our absolute lack of information about heights of all living human beings, not to talk about the future. Even if we take one moderate example, like population data on heights of all the living men in US it is physically possible, but the cost and time involved in this would defeat the purpose of its calculation. </a:t>
             </a:r>
           </a:p>
         </p:txBody>
@@ -7782,7 +7785,7 @@
           <a:p>
             <a:fld id="{BC849E9A-41F7-4779-A581-48A7C374A227}" type="slidenum">
               <a:rPr lang="en-US" smtClean="0"/>
-              <a:t>9</a:t>
+              <a:t>10</a:t>
             </a:fld>
             <a:endParaRPr lang="en-US" dirty="0"/>
           </a:p>
@@ -7890,7 +7893,7 @@
           <a:p>
             <a:fld id="{BC849E9A-41F7-4779-A581-48A7C374A227}" type="slidenum">
               <a:rPr lang="en-US" smtClean="0"/>
-              <a:t>31</a:t>
+              <a:t>32</a:t>
             </a:fld>
             <a:endParaRPr lang="en-US" dirty="0"/>
           </a:p>
@@ -7982,16 +7985,11 @@
           <a:p>
             <a:r>
               <a:rPr lang="en-US" dirty="0"/>
-              <a:t>It will be open from 7: 55 AM to 9:30 AM on October 11</a:t>
+              <a:t>It will be open from</a:t>
             </a:r>
-            <a:r>
-              <a:rPr lang="en-US" baseline="30000" dirty="0"/>
-              <a:t>th</a:t>
-            </a:r>
-            <a:r>
-              <a:rPr lang="en-US" dirty="0"/>
-              <a:t>. </a:t>
-            </a:r>
+          </a:p>
+          <a:p>
+            <a:endParaRPr lang="en-US" dirty="0"/>
           </a:p>
           <a:p>
             <a:endParaRPr lang="en-US" dirty="0"/>
@@ -8039,7 +8037,7 @@
           <a:p>
             <a:fld id="{BC849E9A-41F7-4779-A581-48A7C374A227}" type="slidenum">
               <a:rPr lang="en-US" smtClean="0"/>
-              <a:t>32</a:t>
+              <a:t>33</a:t>
             </a:fld>
             <a:endParaRPr lang="en-US" dirty="0"/>
           </a:p>
@@ -8304,7 +8302,7 @@
           <a:p>
             <a:fld id="{BC849E9A-41F7-4779-A581-48A7C374A227}" type="slidenum">
               <a:rPr lang="en-US" smtClean="0"/>
-              <a:t>33</a:t>
+              <a:t>34</a:t>
             </a:fld>
             <a:endParaRPr lang="en-US" dirty="0"/>
           </a:p>
@@ -8394,7 +8392,7 @@
           <a:p>
             <a:fld id="{BC849E9A-41F7-4779-A581-48A7C374A227}" type="slidenum">
               <a:rPr lang="en-US" smtClean="0"/>
-              <a:t>11</a:t>
+              <a:t>12</a:t>
             </a:fld>
             <a:endParaRPr lang="en-US" dirty="0"/>
           </a:p>
@@ -8487,7 +8485,7 @@
           <a:p>
             <a:fld id="{BC849E9A-41F7-4779-A581-48A7C374A227}" type="slidenum">
               <a:rPr lang="en-US" smtClean="0"/>
-              <a:t>12</a:t>
+              <a:t>13</a:t>
             </a:fld>
             <a:endParaRPr lang="en-US" dirty="0"/>
           </a:p>
@@ -8592,7 +8590,7 @@
           <a:p>
             <a:fld id="{BC849E9A-41F7-4779-A581-48A7C374A227}" type="slidenum">
               <a:rPr lang="en-US" smtClean="0"/>
-              <a:t>13</a:t>
+              <a:t>14</a:t>
             </a:fld>
             <a:endParaRPr lang="en-US" dirty="0"/>
           </a:p>
@@ -8700,7 +8698,7 @@
           <a:p>
             <a:fld id="{BC849E9A-41F7-4779-A581-48A7C374A227}" type="slidenum">
               <a:rPr lang="en-US" smtClean="0"/>
-              <a:t>14</a:t>
+              <a:t>15</a:t>
             </a:fld>
             <a:endParaRPr lang="en-US" dirty="0"/>
           </a:p>
@@ -8823,7 +8821,7 @@
           <a:p>
             <a:fld id="{BC849E9A-41F7-4779-A581-48A7C374A227}" type="slidenum">
               <a:rPr lang="en-US" smtClean="0"/>
-              <a:t>15</a:t>
+              <a:t>16</a:t>
             </a:fld>
             <a:endParaRPr lang="en-US" dirty="0"/>
           </a:p>
@@ -8913,7 +8911,7 @@
           <a:p>
             <a:fld id="{BC849E9A-41F7-4779-A581-48A7C374A227}" type="slidenum">
               <a:rPr lang="en-US" smtClean="0"/>
-              <a:t>16</a:t>
+              <a:t>17</a:t>
             </a:fld>
             <a:endParaRPr lang="en-US" dirty="0"/>
           </a:p>
@@ -9066,7 +9064,7 @@
           <a:p>
             <a:fld id="{BC849E9A-41F7-4779-A581-48A7C374A227}" type="slidenum">
               <a:rPr lang="en-US" smtClean="0"/>
-              <a:t>17</a:t>
+              <a:t>18</a:t>
             </a:fld>
             <a:endParaRPr lang="en-US" dirty="0"/>
           </a:p>
@@ -9232,7 +9230,7 @@
           <a:p>
             <a:fld id="{DECF21A4-E71B-4D3A-AF45-E989C23A7BB1}" type="datetimeFigureOut">
               <a:rPr lang="en-US" smtClean="0"/>
-              <a:t>1/19/2022</a:t>
+              <a:t>3/1/2022</a:t>
             </a:fld>
             <a:endParaRPr lang="en-US" dirty="0"/>
           </a:p>
@@ -9430,7 +9428,7 @@
           <a:p>
             <a:fld id="{DECF21A4-E71B-4D3A-AF45-E989C23A7BB1}" type="datetimeFigureOut">
               <a:rPr lang="en-US" smtClean="0"/>
-              <a:t>1/19/2022</a:t>
+              <a:t>3/1/2022</a:t>
             </a:fld>
             <a:endParaRPr lang="en-US" dirty="0"/>
           </a:p>
@@ -9638,7 +9636,7 @@
           <a:p>
             <a:fld id="{DECF21A4-E71B-4D3A-AF45-E989C23A7BB1}" type="datetimeFigureOut">
               <a:rPr lang="en-US" smtClean="0"/>
-              <a:t>1/19/2022</a:t>
+              <a:t>3/1/2022</a:t>
             </a:fld>
             <a:endParaRPr lang="en-US" dirty="0"/>
           </a:p>
@@ -9836,7 +9834,7 @@
           <a:p>
             <a:fld id="{DECF21A4-E71B-4D3A-AF45-E989C23A7BB1}" type="datetimeFigureOut">
               <a:rPr lang="en-US" smtClean="0"/>
-              <a:t>1/19/2022</a:t>
+              <a:t>3/1/2022</a:t>
             </a:fld>
             <a:endParaRPr lang="en-US" dirty="0"/>
           </a:p>
@@ -10111,7 +10109,7 @@
           <a:p>
             <a:fld id="{DECF21A4-E71B-4D3A-AF45-E989C23A7BB1}" type="datetimeFigureOut">
               <a:rPr lang="en-US" smtClean="0"/>
-              <a:t>1/19/2022</a:t>
+              <a:t>3/1/2022</a:t>
             </a:fld>
             <a:endParaRPr lang="en-US" dirty="0"/>
           </a:p>
@@ -10376,7 +10374,7 @@
           <a:p>
             <a:fld id="{DECF21A4-E71B-4D3A-AF45-E989C23A7BB1}" type="datetimeFigureOut">
               <a:rPr lang="en-US" smtClean="0"/>
-              <a:t>1/19/2022</a:t>
+              <a:t>3/1/2022</a:t>
             </a:fld>
             <a:endParaRPr lang="en-US" dirty="0"/>
           </a:p>
@@ -10788,7 +10786,7 @@
           <a:p>
             <a:fld id="{DECF21A4-E71B-4D3A-AF45-E989C23A7BB1}" type="datetimeFigureOut">
               <a:rPr lang="en-US" smtClean="0"/>
-              <a:t>1/19/2022</a:t>
+              <a:t>3/1/2022</a:t>
             </a:fld>
             <a:endParaRPr lang="en-US" dirty="0"/>
           </a:p>
@@ -10929,7 +10927,7 @@
           <a:p>
             <a:fld id="{DECF21A4-E71B-4D3A-AF45-E989C23A7BB1}" type="datetimeFigureOut">
               <a:rPr lang="en-US" smtClean="0"/>
-              <a:t>1/19/2022</a:t>
+              <a:t>3/1/2022</a:t>
             </a:fld>
             <a:endParaRPr lang="en-US" dirty="0"/>
           </a:p>
@@ -11042,7 +11040,7 @@
           <a:p>
             <a:fld id="{DECF21A4-E71B-4D3A-AF45-E989C23A7BB1}" type="datetimeFigureOut">
               <a:rPr lang="en-US" smtClean="0"/>
-              <a:t>1/19/2022</a:t>
+              <a:t>3/1/2022</a:t>
             </a:fld>
             <a:endParaRPr lang="en-US" dirty="0"/>
           </a:p>
@@ -11353,7 +11351,7 @@
           <a:p>
             <a:fld id="{DECF21A4-E71B-4D3A-AF45-E989C23A7BB1}" type="datetimeFigureOut">
               <a:rPr lang="en-US" smtClean="0"/>
-              <a:t>1/19/2022</a:t>
+              <a:t>3/1/2022</a:t>
             </a:fld>
             <a:endParaRPr lang="en-US" dirty="0"/>
           </a:p>
@@ -11645,7 +11643,7 @@
           <a:p>
             <a:fld id="{DECF21A4-E71B-4D3A-AF45-E989C23A7BB1}" type="datetimeFigureOut">
               <a:rPr lang="en-US" smtClean="0"/>
-              <a:t>1/19/2022</a:t>
+              <a:t>3/1/2022</a:t>
             </a:fld>
             <a:endParaRPr lang="en-US" dirty="0"/>
           </a:p>
@@ -11886,7 +11884,7 @@
           <a:p>
             <a:fld id="{DECF21A4-E71B-4D3A-AF45-E989C23A7BB1}" type="datetimeFigureOut">
               <a:rPr lang="en-US" smtClean="0"/>
-              <a:t>1/19/2022</a:t>
+              <a:t>3/1/2022</a:t>
             </a:fld>
             <a:endParaRPr lang="en-US" dirty="0"/>
           </a:p>
@@ -12734,6 +12732,226 @@
 <file path=ppt/slides/slide10.xml><?xml version="1.0" encoding="utf-8"?>
 <p:sld xmlns:a="http://schemas.openxmlformats.org/drawingml/2006/main" xmlns:r="http://schemas.openxmlformats.org/officeDocument/2006/relationships" xmlns:p="http://schemas.openxmlformats.org/presentationml/2006/main">
   <p:cSld>
+    <p:spTree>
+      <p:nvGrpSpPr>
+        <p:cNvPr id="1" name=""/>
+        <p:cNvGrpSpPr/>
+        <p:nvPr/>
+      </p:nvGrpSpPr>
+      <p:grpSpPr>
+        <a:xfrm>
+          <a:off x="0" y="0"/>
+          <a:ext cx="0" cy="0"/>
+          <a:chOff x="0" y="0"/>
+          <a:chExt cx="0" cy="0"/>
+        </a:xfrm>
+      </p:grpSpPr>
+      <p:sp>
+        <p:nvSpPr>
+          <p:cNvPr id="2" name="Title 1">
+            <a:extLst>
+              <a:ext uri="{FF2B5EF4-FFF2-40B4-BE49-F238E27FC236}">
+                <a16:creationId xmlns:a16="http://schemas.microsoft.com/office/drawing/2014/main" id="{C8E00E5A-103B-4583-A7D6-63B27365EB3C}"/>
+              </a:ext>
+            </a:extLst>
+          </p:cNvPr>
+          <p:cNvSpPr>
+            <a:spLocks noGrp="1"/>
+          </p:cNvSpPr>
+          <p:nvPr>
+            <p:ph type="title"/>
+          </p:nvPr>
+        </p:nvSpPr>
+        <p:spPr>
+          <a:xfrm>
+            <a:off x="581647" y="349664"/>
+            <a:ext cx="5562868" cy="1638377"/>
+          </a:xfrm>
+        </p:spPr>
+        <p:txBody>
+          <a:bodyPr anchor="b">
+            <a:normAutofit/>
+          </a:bodyPr>
+          <a:lstStyle/>
+          <a:p>
+            <a:r>
+              <a:rPr lang="en-US" sz="4800" dirty="0"/>
+              <a:t>Basics of the Sampling Distribution</a:t>
+            </a:r>
+          </a:p>
+        </p:txBody>
+      </p:sp>
+      <p:sp>
+        <p:nvSpPr>
+          <p:cNvPr id="3" name="Content Placeholder 2">
+            <a:extLst>
+              <a:ext uri="{FF2B5EF4-FFF2-40B4-BE49-F238E27FC236}">
+                <a16:creationId xmlns:a16="http://schemas.microsoft.com/office/drawing/2014/main" id="{68832019-0569-43E9-8CF7-9A87919E037A}"/>
+              </a:ext>
+            </a:extLst>
+          </p:cNvPr>
+          <p:cNvSpPr>
+            <a:spLocks noGrp="1"/>
+          </p:cNvSpPr>
+          <p:nvPr>
+            <p:ph idx="1"/>
+          </p:nvPr>
+        </p:nvSpPr>
+        <p:spPr>
+          <a:xfrm>
+            <a:off x="587988" y="2620641"/>
+            <a:ext cx="5555425" cy="3023702"/>
+          </a:xfrm>
+        </p:spPr>
+        <p:txBody>
+          <a:bodyPr anchor="ctr">
+            <a:normAutofit lnSpcReduction="10000"/>
+          </a:bodyPr>
+          <a:lstStyle/>
+          <a:p>
+            <a:r>
+              <a:rPr lang="en-US" sz="1800" dirty="0"/>
+              <a:t>The mean of all possible sample means is equal to the population mean </a:t>
+            </a:r>
+          </a:p>
+          <a:p>
+            <a:r>
+              <a:rPr lang="en-US" sz="1800" dirty="0"/>
+              <a:t>The variance of the sample means is related to the population variance </a:t>
+            </a:r>
+          </a:p>
+          <a:p>
+            <a:r>
+              <a:rPr lang="en-US" sz="1800" dirty="0"/>
+              <a:t>The sampling distribution is mound shaped </a:t>
+            </a:r>
+          </a:p>
+          <a:p>
+            <a:pPr lvl="1"/>
+            <a:r>
+              <a:rPr lang="en-US" sz="1800" dirty="0"/>
+              <a:t>Consistent with the Central-Limit Theorem, regardless of the shape of the distribution of the variable in the population, with a sample size of 30, the distribution of sample means becomes normally distributed </a:t>
+            </a:r>
+          </a:p>
+          <a:p>
+            <a:r>
+              <a:rPr lang="en-US" sz="2200" dirty="0">
+                <a:hlinkClick r:id="rId3"/>
+              </a:rPr>
+              <a:t>Link for visualization </a:t>
+            </a:r>
+            <a:endParaRPr lang="en-US" sz="2200" dirty="0"/>
+          </a:p>
+        </p:txBody>
+      </p:sp>
+      <p:pic>
+        <p:nvPicPr>
+          <p:cNvPr id="3076" name="Picture 4" descr="Variance (video lessons, formula, examples, solutions)">
+            <a:extLst>
+              <a:ext uri="{FF2B5EF4-FFF2-40B4-BE49-F238E27FC236}">
+                <a16:creationId xmlns:a16="http://schemas.microsoft.com/office/drawing/2014/main" id="{E285EEC6-DE5D-4C05-9A8B-4DB06EFDA2B1}"/>
+              </a:ext>
+            </a:extLst>
+          </p:cNvPr>
+          <p:cNvPicPr>
+            <a:picLocks noChangeAspect="1" noChangeArrowheads="1"/>
+          </p:cNvPicPr>
+          <p:nvPr/>
+        </p:nvPicPr>
+        <p:blipFill>
+          <a:blip r:embed="rId4">
+            <a:extLst>
+              <a:ext uri="{28A0092B-C50C-407E-A947-70E740481C1C}">
+                <a14:useLocalDpi xmlns:a14="http://schemas.microsoft.com/office/drawing/2010/main" val="0"/>
+              </a:ext>
+            </a:extLst>
+          </a:blip>
+          <a:stretch>
+            <a:fillRect/>
+          </a:stretch>
+        </p:blipFill>
+        <p:spPr bwMode="auto">
+          <a:xfrm>
+            <a:off x="7333745" y="417768"/>
+            <a:ext cx="3961879" cy="2665800"/>
+          </a:xfrm>
+          <a:prstGeom prst="rect">
+            <a:avLst/>
+          </a:prstGeom>
+          <a:noFill/>
+          <a:extLst>
+            <a:ext uri="{909E8E84-426E-40DD-AFC4-6F175D3DCCD1}">
+              <a14:hiddenFill xmlns:a14="http://schemas.microsoft.com/office/drawing/2010/main">
+                <a:solidFill>
+                  <a:srgbClr val="FFFFFF"/>
+                </a:solidFill>
+              </a14:hiddenFill>
+            </a:ext>
+          </a:extLst>
+        </p:spPr>
+      </p:pic>
+      <p:pic>
+        <p:nvPicPr>
+          <p:cNvPr id="3074" name="Picture 2" descr="Central Limit Theorem In Action. And examples from its practical… | by  Ceren Iyim | Towards Data Science">
+            <a:extLst>
+              <a:ext uri="{FF2B5EF4-FFF2-40B4-BE49-F238E27FC236}">
+                <a16:creationId xmlns:a16="http://schemas.microsoft.com/office/drawing/2014/main" id="{DD26947B-CCBD-42AE-B229-F548CEFD5B2C}"/>
+              </a:ext>
+            </a:extLst>
+          </p:cNvPr>
+          <p:cNvPicPr>
+            <a:picLocks noChangeAspect="1" noChangeArrowheads="1"/>
+          </p:cNvPicPr>
+          <p:nvPr/>
+        </p:nvPicPr>
+        <p:blipFill>
+          <a:blip r:embed="rId5">
+            <a:extLst>
+              <a:ext uri="{28A0092B-C50C-407E-A947-70E740481C1C}">
+                <a14:useLocalDpi xmlns:a14="http://schemas.microsoft.com/office/drawing/2010/main" val="0"/>
+              </a:ext>
+            </a:extLst>
+          </a:blip>
+          <a:stretch>
+            <a:fillRect/>
+          </a:stretch>
+        </p:blipFill>
+        <p:spPr bwMode="auto">
+          <a:xfrm>
+            <a:off x="6949163" y="3889974"/>
+            <a:ext cx="4731046" cy="2380494"/>
+          </a:xfrm>
+          <a:prstGeom prst="rect">
+            <a:avLst/>
+          </a:prstGeom>
+          <a:noFill/>
+          <a:extLst>
+            <a:ext uri="{909E8E84-426E-40DD-AFC4-6F175D3DCCD1}">
+              <a14:hiddenFill xmlns:a14="http://schemas.microsoft.com/office/drawing/2010/main">
+                <a:solidFill>
+                  <a:srgbClr val="FFFFFF"/>
+                </a:solidFill>
+              </a14:hiddenFill>
+            </a:ext>
+          </a:extLst>
+        </p:spPr>
+      </p:pic>
+    </p:spTree>
+    <p:extLst>
+      <p:ext uri="{BB962C8B-B14F-4D97-AF65-F5344CB8AC3E}">
+        <p14:creationId xmlns:p14="http://schemas.microsoft.com/office/powerpoint/2010/main" val="102022569"/>
+      </p:ext>
+    </p:extLst>
+  </p:cSld>
+  <p:clrMapOvr>
+    <a:masterClrMapping/>
+  </p:clrMapOvr>
+</p:sld>
+</file>
+
+<file path=ppt/slides/slide11.xml><?xml version="1.0" encoding="utf-8"?>
+<p:sld xmlns:a="http://schemas.openxmlformats.org/drawingml/2006/main" xmlns:r="http://schemas.openxmlformats.org/officeDocument/2006/relationships" xmlns:p="http://schemas.openxmlformats.org/presentationml/2006/main">
+  <p:cSld>
     <p:bg>
       <p:bgPr>
         <a:solidFill>
@@ -13440,7 +13658,7 @@
 </p:sld>
 </file>
 
-<file path=ppt/slides/slide11.xml><?xml version="1.0" encoding="utf-8"?>
+<file path=ppt/slides/slide12.xml><?xml version="1.0" encoding="utf-8"?>
 <p:sld xmlns:a="http://schemas.openxmlformats.org/drawingml/2006/main" xmlns:r="http://schemas.openxmlformats.org/officeDocument/2006/relationships" xmlns:p="http://schemas.openxmlformats.org/presentationml/2006/main">
   <p:cSld>
     <p:bg>
@@ -13871,7 +14089,7 @@
 </p:sld>
 </file>
 
-<file path=ppt/slides/slide12.xml><?xml version="1.0" encoding="utf-8"?>
+<file path=ppt/slides/slide13.xml><?xml version="1.0" encoding="utf-8"?>
 <p:sld xmlns:a="http://schemas.openxmlformats.org/drawingml/2006/main" xmlns:r="http://schemas.openxmlformats.org/officeDocument/2006/relationships" xmlns:p="http://schemas.openxmlformats.org/presentationml/2006/main">
   <p:cSld>
     <p:bg>
@@ -14238,7 +14456,7 @@
 </p:sld>
 </file>
 
-<file path=ppt/slides/slide13.xml><?xml version="1.0" encoding="utf-8"?>
+<file path=ppt/slides/slide14.xml><?xml version="1.0" encoding="utf-8"?>
 <p:sld xmlns:a="http://schemas.openxmlformats.org/drawingml/2006/main" xmlns:r="http://schemas.openxmlformats.org/officeDocument/2006/relationships" xmlns:p="http://schemas.openxmlformats.org/presentationml/2006/main">
   <p:cSld>
     <p:bg>
@@ -14518,7 +14736,7 @@
 </p:sld>
 </file>
 
-<file path=ppt/slides/slide14.xml><?xml version="1.0" encoding="utf-8"?>
+<file path=ppt/slides/slide15.xml><?xml version="1.0" encoding="utf-8"?>
 <p:sld xmlns:a="http://schemas.openxmlformats.org/drawingml/2006/main" xmlns:r="http://schemas.openxmlformats.org/officeDocument/2006/relationships" xmlns:p="http://schemas.openxmlformats.org/presentationml/2006/main">
   <p:cSld>
     <p:bg>
@@ -14894,7 +15112,7 @@
 </p:sld>
 </file>
 
-<file path=ppt/slides/slide15.xml><?xml version="1.0" encoding="utf-8"?>
+<file path=ppt/slides/slide16.xml><?xml version="1.0" encoding="utf-8"?>
 <p:sld xmlns:a="http://schemas.openxmlformats.org/drawingml/2006/main" xmlns:r="http://schemas.openxmlformats.org/officeDocument/2006/relationships" xmlns:p="http://schemas.openxmlformats.org/presentationml/2006/main">
   <p:cSld>
     <p:bg>
@@ -15459,7 +15677,7 @@
 </p:sld>
 </file>
 
-<file path=ppt/slides/slide16.xml><?xml version="1.0" encoding="utf-8"?>
+<file path=ppt/slides/slide17.xml><?xml version="1.0" encoding="utf-8"?>
 <p:sld xmlns:a="http://schemas.openxmlformats.org/drawingml/2006/main" xmlns:r="http://schemas.openxmlformats.org/officeDocument/2006/relationships" xmlns:p="http://schemas.openxmlformats.org/presentationml/2006/main">
   <p:cSld>
     <p:bg>
@@ -16318,7 +16536,7 @@
 </p:sld>
 </file>
 
-<file path=ppt/slides/slide17.xml><?xml version="1.0" encoding="utf-8"?>
+<file path=ppt/slides/slide18.xml><?xml version="1.0" encoding="utf-8"?>
 <p:sld xmlns:a="http://schemas.openxmlformats.org/drawingml/2006/main" xmlns:r="http://schemas.openxmlformats.org/officeDocument/2006/relationships" xmlns:p="http://schemas.openxmlformats.org/presentationml/2006/main">
   <p:cSld>
     <p:bg>
@@ -16993,7 +17211,7 @@
 </p:sld>
 </file>
 
-<file path=ppt/slides/slide18.xml><?xml version="1.0" encoding="utf-8"?>
+<file path=ppt/slides/slide19.xml><?xml version="1.0" encoding="utf-8"?>
 <p:sld xmlns:a="http://schemas.openxmlformats.org/drawingml/2006/main" xmlns:r="http://schemas.openxmlformats.org/officeDocument/2006/relationships" xmlns:p="http://schemas.openxmlformats.org/presentationml/2006/main">
   <p:cSld>
     <p:bg>
@@ -17573,7 +17791,213 @@
 </p:sld>
 </file>
 
-<file path=ppt/slides/slide19.xml><?xml version="1.0" encoding="utf-8"?>
+<file path=ppt/slides/slide2.xml><?xml version="1.0" encoding="utf-8"?>
+<p:sld xmlns:a="http://schemas.openxmlformats.org/drawingml/2006/main" xmlns:r="http://schemas.openxmlformats.org/officeDocument/2006/relationships" xmlns:p="http://schemas.openxmlformats.org/presentationml/2006/main">
+  <p:cSld>
+    <p:bg>
+      <p:bgPr>
+        <a:solidFill>
+          <a:schemeClr val="bg1"/>
+        </a:solidFill>
+        <a:effectLst/>
+      </p:bgPr>
+    </p:bg>
+    <p:spTree>
+      <p:nvGrpSpPr>
+        <p:cNvPr id="1" name=""/>
+        <p:cNvGrpSpPr/>
+        <p:nvPr/>
+      </p:nvGrpSpPr>
+      <p:grpSpPr>
+        <a:xfrm>
+          <a:off x="0" y="0"/>
+          <a:ext cx="0" cy="0"/>
+          <a:chOff x="0" y="0"/>
+          <a:chExt cx="0" cy="0"/>
+        </a:xfrm>
+      </p:grpSpPr>
+      <p:sp>
+        <p:nvSpPr>
+          <p:cNvPr id="10" name="Rectangle 9">
+            <a:extLst>
+              <a:ext uri="{FF2B5EF4-FFF2-40B4-BE49-F238E27FC236}">
+                <a16:creationId xmlns:a16="http://schemas.microsoft.com/office/drawing/2014/main" id="{2E614F1C-2D93-42D0-B229-768199449923}"/>
+              </a:ext>
+              <a:ext uri="{C183D7F6-B498-43B3-948B-1728B52AA6E4}">
+                <adec:decorative xmlns:adec="http://schemas.microsoft.com/office/drawing/2017/decorative" val="1"/>
+              </a:ext>
+            </a:extLst>
+          </p:cNvPr>
+          <p:cNvSpPr>
+            <a:spLocks noGrp="1" noRot="1" noChangeAspect="1" noMove="1" noResize="1" noEditPoints="1" noAdjustHandles="1" noChangeArrowheads="1" noChangeShapeType="1" noTextEdit="1"/>
+          </p:cNvSpPr>
+          <p:nvPr>
+            <p:extLst>
+              <p:ext uri="{386F3935-93C4-4BCD-93E2-E3B085C9AB24}">
+                <p16:designElem xmlns:p16="http://schemas.microsoft.com/office/powerpoint/2015/main" val="1"/>
+              </p:ext>
+            </p:extLst>
+          </p:nvPr>
+        </p:nvSpPr>
+        <p:spPr bwMode="white">
+          <a:xfrm>
+            <a:off x="7403089" y="0"/>
+            <a:ext cx="4788912" cy="6858000"/>
+          </a:xfrm>
+          <a:prstGeom prst="rect">
+            <a:avLst/>
+          </a:prstGeom>
+          <a:solidFill>
+            <a:schemeClr val="tx1">
+              <a:lumMod val="85000"/>
+              <a:lumOff val="15000"/>
+            </a:schemeClr>
+          </a:solidFill>
+          <a:ln>
+            <a:noFill/>
+          </a:ln>
+        </p:spPr>
+        <p:style>
+          <a:lnRef idx="2">
+            <a:schemeClr val="accent1">
+              <a:shade val="50000"/>
+            </a:schemeClr>
+          </a:lnRef>
+          <a:fillRef idx="1">
+            <a:schemeClr val="accent1"/>
+          </a:fillRef>
+          <a:effectRef idx="0">
+            <a:schemeClr val="accent1"/>
+          </a:effectRef>
+          <a:fontRef idx="minor">
+            <a:schemeClr val="lt1"/>
+          </a:fontRef>
+        </p:style>
+        <p:txBody>
+          <a:bodyPr rtlCol="0" anchor="ctr"/>
+          <a:lstStyle/>
+          <a:p>
+            <a:pPr algn="ctr"/>
+            <a:endParaRPr lang="en-US"/>
+          </a:p>
+        </p:txBody>
+      </p:sp>
+      <p:sp>
+        <p:nvSpPr>
+          <p:cNvPr id="2" name="Title 1">
+            <a:extLst>
+              <a:ext uri="{FF2B5EF4-FFF2-40B4-BE49-F238E27FC236}">
+                <a16:creationId xmlns:a16="http://schemas.microsoft.com/office/drawing/2014/main" id="{E7FA8614-3DF6-430E-8883-474B623F78C0}"/>
+              </a:ext>
+            </a:extLst>
+          </p:cNvPr>
+          <p:cNvSpPr>
+            <a:spLocks noGrp="1"/>
+          </p:cNvSpPr>
+          <p:nvPr>
+            <p:ph type="title"/>
+          </p:nvPr>
+        </p:nvSpPr>
+        <p:spPr>
+          <a:xfrm>
+            <a:off x="8174735" y="640081"/>
+            <a:ext cx="3377183" cy="3708895"/>
+          </a:xfrm>
+          <a:noFill/>
+        </p:spPr>
+        <p:txBody>
+          <a:bodyPr vert="horz" lIns="91440" tIns="45720" rIns="91440" bIns="45720" rtlCol="0" anchor="b">
+            <a:normAutofit/>
+          </a:bodyPr>
+          <a:lstStyle/>
+          <a:p>
+            <a:r>
+              <a:rPr lang="en-US" dirty="0">
+                <a:solidFill>
+                  <a:schemeClr val="bg1"/>
+                </a:solidFill>
+              </a:rPr>
+              <a:t>Get your name tag </a:t>
+            </a:r>
+            <a:br>
+              <a:rPr lang="en-US" dirty="0">
+                <a:solidFill>
+                  <a:schemeClr val="bg1"/>
+                </a:solidFill>
+              </a:rPr>
+            </a:br>
+            <a:br>
+              <a:rPr lang="en-US" dirty="0">
+                <a:solidFill>
+                  <a:schemeClr val="bg1"/>
+                </a:solidFill>
+              </a:rPr>
+            </a:br>
+            <a:r>
+              <a:rPr lang="en-US" dirty="0">
+                <a:solidFill>
+                  <a:schemeClr val="bg1"/>
+                </a:solidFill>
+              </a:rPr>
+              <a:t>Check-in</a:t>
+            </a:r>
+          </a:p>
+        </p:txBody>
+      </p:sp>
+      <p:pic>
+        <p:nvPicPr>
+          <p:cNvPr id="5" name="Content Placeholder 4" descr="A picture containing text&#10;&#10;Description automatically generated">
+            <a:extLst>
+              <a:ext uri="{FF2B5EF4-FFF2-40B4-BE49-F238E27FC236}">
+                <a16:creationId xmlns:a16="http://schemas.microsoft.com/office/drawing/2014/main" id="{88066C14-AE1D-493B-AE9E-EB30175528B1}"/>
+              </a:ext>
+            </a:extLst>
+          </p:cNvPr>
+          <p:cNvPicPr>
+            <a:picLocks noGrp="1" noChangeAspect="1"/>
+          </p:cNvPicPr>
+          <p:nvPr>
+            <p:ph idx="1"/>
+          </p:nvPr>
+        </p:nvPicPr>
+        <p:blipFill rotWithShape="1">
+          <a:blip r:embed="rId2">
+            <a:extLst>
+              <a:ext uri="{28A0092B-C50C-407E-A947-70E740481C1C}">
+                <a14:useLocalDpi xmlns:a14="http://schemas.microsoft.com/office/drawing/2010/main" val="0"/>
+              </a:ext>
+              <a:ext uri="{837473B0-CC2E-450A-ABE3-18F120FF3D39}">
+                <a1611:picAttrSrcUrl xmlns:a1611="http://schemas.microsoft.com/office/drawing/2016/11/main" r:id="rId3"/>
+              </a:ext>
+            </a:extLst>
+          </a:blip>
+          <a:srcRect l="5990" r="3095"/>
+          <a:stretch/>
+        </p:blipFill>
+        <p:spPr>
+          <a:xfrm>
+            <a:off x="20" y="10"/>
+            <a:ext cx="7534636" cy="6857990"/>
+          </a:xfrm>
+          <a:prstGeom prst="rect">
+            <a:avLst/>
+          </a:prstGeom>
+        </p:spPr>
+      </p:pic>
+    </p:spTree>
+    <p:extLst>
+      <p:ext uri="{BB962C8B-B14F-4D97-AF65-F5344CB8AC3E}">
+        <p14:creationId xmlns:p14="http://schemas.microsoft.com/office/powerpoint/2010/main" val="569158191"/>
+      </p:ext>
+    </p:extLst>
+  </p:cSld>
+  <p:clrMapOvr>
+    <a:masterClrMapping/>
+  </p:clrMapOvr>
+</p:sld>
+</file>
+
+<file path=ppt/slides/slide20.xml><?xml version="1.0" encoding="utf-8"?>
 <p:sld xmlns:a="http://schemas.openxmlformats.org/drawingml/2006/main" xmlns:r="http://schemas.openxmlformats.org/officeDocument/2006/relationships" xmlns:p="http://schemas.openxmlformats.org/presentationml/2006/main">
   <p:cSld>
     <p:bg>
@@ -18190,397 +18614,7 @@
 </p:sld>
 </file>
 
-<file path=ppt/slides/slide2.xml><?xml version="1.0" encoding="utf-8"?>
-<p:sld xmlns:a="http://schemas.openxmlformats.org/drawingml/2006/main" xmlns:r="http://schemas.openxmlformats.org/officeDocument/2006/relationships" xmlns:p="http://schemas.openxmlformats.org/presentationml/2006/main">
-  <p:cSld>
-    <p:bg>
-      <p:bgPr>
-        <a:solidFill>
-          <a:schemeClr val="bg1"/>
-        </a:solidFill>
-        <a:effectLst/>
-      </p:bgPr>
-    </p:bg>
-    <p:spTree>
-      <p:nvGrpSpPr>
-        <p:cNvPr id="1" name=""/>
-        <p:cNvGrpSpPr/>
-        <p:nvPr/>
-      </p:nvGrpSpPr>
-      <p:grpSpPr>
-        <a:xfrm>
-          <a:off x="0" y="0"/>
-          <a:ext cx="0" cy="0"/>
-          <a:chOff x="0" y="0"/>
-          <a:chExt cx="0" cy="0"/>
-        </a:xfrm>
-      </p:grpSpPr>
-      <p:sp useBgFill="1">
-        <p:nvSpPr>
-          <p:cNvPr id="8" name="Rectangle 7">
-            <a:extLst>
-              <a:ext uri="{FF2B5EF4-FFF2-40B4-BE49-F238E27FC236}">
-                <a16:creationId xmlns:a16="http://schemas.microsoft.com/office/drawing/2014/main" id="{907EF6B7-1338-4443-8C46-6A318D952DFD}"/>
-              </a:ext>
-              <a:ext uri="{C183D7F6-B498-43B3-948B-1728B52AA6E4}">
-                <adec:decorative xmlns:adec="http://schemas.microsoft.com/office/drawing/2017/decorative" val="1"/>
-              </a:ext>
-            </a:extLst>
-          </p:cNvPr>
-          <p:cNvSpPr>
-            <a:spLocks noGrp="1" noRot="1" noChangeAspect="1" noMove="1" noResize="1" noEditPoints="1" noAdjustHandles="1" noChangeArrowheads="1" noChangeShapeType="1" noTextEdit="1"/>
-          </p:cNvSpPr>
-          <p:nvPr>
-            <p:extLst>
-              <p:ext uri="{386F3935-93C4-4BCD-93E2-E3B085C9AB24}">
-                <p16:designElem xmlns:p16="http://schemas.microsoft.com/office/powerpoint/2015/main" val="1"/>
-              </p:ext>
-            </p:extLst>
-          </p:nvPr>
-        </p:nvSpPr>
-        <p:spPr>
-          <a:xfrm>
-            <a:off x="3048" y="0"/>
-            <a:ext cx="12188952" cy="6858000"/>
-          </a:xfrm>
-          <a:prstGeom prst="rect">
-            <a:avLst/>
-          </a:prstGeom>
-          <a:ln>
-            <a:noFill/>
-          </a:ln>
-        </p:spPr>
-        <p:style>
-          <a:lnRef idx="2">
-            <a:schemeClr val="accent1">
-              <a:shade val="50000"/>
-            </a:schemeClr>
-          </a:lnRef>
-          <a:fillRef idx="1">
-            <a:schemeClr val="accent1"/>
-          </a:fillRef>
-          <a:effectRef idx="0">
-            <a:schemeClr val="accent1"/>
-          </a:effectRef>
-          <a:fontRef idx="minor">
-            <a:schemeClr val="lt1"/>
-          </a:fontRef>
-        </p:style>
-        <p:txBody>
-          <a:bodyPr rtlCol="0" anchor="ctr"/>
-          <a:lstStyle/>
-          <a:p>
-            <a:pPr algn="ctr"/>
-            <a:endParaRPr lang="en-US"/>
-          </a:p>
-        </p:txBody>
-      </p:sp>
-      <p:sp>
-        <p:nvSpPr>
-          <p:cNvPr id="10" name="Freeform: Shape 9">
-            <a:extLst>
-              <a:ext uri="{FF2B5EF4-FFF2-40B4-BE49-F238E27FC236}">
-                <a16:creationId xmlns:a16="http://schemas.microsoft.com/office/drawing/2014/main" id="{DAAE4CDD-124C-4DCF-9584-B6033B545DD5}"/>
-              </a:ext>
-              <a:ext uri="{C183D7F6-B498-43B3-948B-1728B52AA6E4}">
-                <adec:decorative xmlns:adec="http://schemas.microsoft.com/office/drawing/2017/decorative" val="1"/>
-              </a:ext>
-            </a:extLst>
-          </p:cNvPr>
-          <p:cNvSpPr>
-            <a:spLocks noGrp="1" noRot="1" noChangeAspect="1" noMove="1" noResize="1" noEditPoints="1" noAdjustHandles="1" noChangeArrowheads="1" noChangeShapeType="1" noTextEdit="1"/>
-          </p:cNvSpPr>
-          <p:nvPr>
-            <p:extLst>
-              <p:ext uri="{386F3935-93C4-4BCD-93E2-E3B085C9AB24}">
-                <p16:designElem xmlns:p16="http://schemas.microsoft.com/office/powerpoint/2015/main" val="1"/>
-              </p:ext>
-            </p:extLst>
-          </p:nvPr>
-        </p:nvSpPr>
-        <p:spPr>
-          <a:xfrm>
-            <a:off x="1" y="0"/>
-            <a:ext cx="4167271" cy="6858000"/>
-          </a:xfrm>
-          <a:custGeom>
-            <a:avLst/>
-            <a:gdLst>
-              <a:gd name="connsiteX0" fmla="*/ 0 w 4167271"/>
-              <a:gd name="connsiteY0" fmla="*/ 0 h 6858000"/>
-              <a:gd name="connsiteX1" fmla="*/ 2259550 w 4167271"/>
-              <a:gd name="connsiteY1" fmla="*/ 0 h 6858000"/>
-              <a:gd name="connsiteX2" fmla="*/ 2387803 w 4167271"/>
-              <a:gd name="connsiteY2" fmla="*/ 82222 h 6858000"/>
-              <a:gd name="connsiteX3" fmla="*/ 4167271 w 4167271"/>
-              <a:gd name="connsiteY3" fmla="*/ 3429000 h 6858000"/>
-              <a:gd name="connsiteX4" fmla="*/ 2387803 w 4167271"/>
-              <a:gd name="connsiteY4" fmla="*/ 6775779 h 6858000"/>
-              <a:gd name="connsiteX5" fmla="*/ 2259550 w 4167271"/>
-              <a:gd name="connsiteY5" fmla="*/ 6858000 h 6858000"/>
-              <a:gd name="connsiteX6" fmla="*/ 0 w 4167271"/>
-              <a:gd name="connsiteY6" fmla="*/ 6858000 h 6858000"/>
-            </a:gdLst>
-            <a:ahLst/>
-            <a:cxnLst>
-              <a:cxn ang="0">
-                <a:pos x="connsiteX0" y="connsiteY0"/>
-              </a:cxn>
-              <a:cxn ang="0">
-                <a:pos x="connsiteX1" y="connsiteY1"/>
-              </a:cxn>
-              <a:cxn ang="0">
-                <a:pos x="connsiteX2" y="connsiteY2"/>
-              </a:cxn>
-              <a:cxn ang="0">
-                <a:pos x="connsiteX3" y="connsiteY3"/>
-              </a:cxn>
-              <a:cxn ang="0">
-                <a:pos x="connsiteX4" y="connsiteY4"/>
-              </a:cxn>
-              <a:cxn ang="0">
-                <a:pos x="connsiteX5" y="connsiteY5"/>
-              </a:cxn>
-              <a:cxn ang="0">
-                <a:pos x="connsiteX6" y="connsiteY6"/>
-              </a:cxn>
-            </a:cxnLst>
-            <a:rect l="l" t="t" r="r" b="b"/>
-            <a:pathLst>
-              <a:path w="4167271" h="6858000">
-                <a:moveTo>
-                  <a:pt x="0" y="0"/>
-                </a:moveTo>
-                <a:lnTo>
-                  <a:pt x="2259550" y="0"/>
-                </a:lnTo>
-                <a:lnTo>
-                  <a:pt x="2387803" y="82222"/>
-                </a:lnTo>
-                <a:cubicBezTo>
-                  <a:pt x="3461407" y="807534"/>
-                  <a:pt x="4167271" y="2035835"/>
-                  <a:pt x="4167271" y="3429000"/>
-                </a:cubicBezTo>
-                <a:cubicBezTo>
-                  <a:pt x="4167271" y="4822165"/>
-                  <a:pt x="3461407" y="6050467"/>
-                  <a:pt x="2387803" y="6775779"/>
-                </a:cubicBezTo>
-                <a:lnTo>
-                  <a:pt x="2259550" y="6858000"/>
-                </a:lnTo>
-                <a:lnTo>
-                  <a:pt x="0" y="6858000"/>
-                </a:lnTo>
-                <a:close/>
-              </a:path>
-            </a:pathLst>
-          </a:custGeom>
-          <a:solidFill>
-            <a:schemeClr val="accent2"/>
-          </a:solidFill>
-          <a:ln>
-            <a:noFill/>
-          </a:ln>
-        </p:spPr>
-        <p:style>
-          <a:lnRef idx="2">
-            <a:schemeClr val="accent1">
-              <a:shade val="50000"/>
-            </a:schemeClr>
-          </a:lnRef>
-          <a:fillRef idx="1">
-            <a:schemeClr val="accent1"/>
-          </a:fillRef>
-          <a:effectRef idx="0">
-            <a:schemeClr val="accent1"/>
-          </a:effectRef>
-          <a:fontRef idx="minor">
-            <a:schemeClr val="lt1"/>
-          </a:fontRef>
-        </p:style>
-        <p:txBody>
-          <a:bodyPr rtlCol="0" anchor="ctr"/>
-          <a:lstStyle/>
-          <a:p>
-            <a:pPr algn="ctr"/>
-            <a:endParaRPr lang="en-US"/>
-          </a:p>
-        </p:txBody>
-      </p:sp>
-      <p:sp>
-        <p:nvSpPr>
-          <p:cNvPr id="2" name="Title 1">
-            <a:extLst>
-              <a:ext uri="{FF2B5EF4-FFF2-40B4-BE49-F238E27FC236}">
-                <a16:creationId xmlns:a16="http://schemas.microsoft.com/office/drawing/2014/main" id="{6319B6E0-1ED1-4366-B3CC-BAFABA0E9457}"/>
-              </a:ext>
-            </a:extLst>
-          </p:cNvPr>
-          <p:cNvSpPr>
-            <a:spLocks noGrp="1"/>
-          </p:cNvSpPr>
-          <p:nvPr>
-            <p:ph type="title"/>
-          </p:nvPr>
-        </p:nvSpPr>
-        <p:spPr>
-          <a:xfrm>
-            <a:off x="686834" y="1153572"/>
-            <a:ext cx="3200400" cy="4461163"/>
-          </a:xfrm>
-        </p:spPr>
-        <p:txBody>
-          <a:bodyPr>
-            <a:normAutofit/>
-          </a:bodyPr>
-          <a:lstStyle/>
-          <a:p>
-            <a:r>
-              <a:rPr lang="en-US">
-                <a:solidFill>
-                  <a:srgbClr val="FFFFFF"/>
-                </a:solidFill>
-              </a:rPr>
-              <a:t>iClicker Question</a:t>
-            </a:r>
-          </a:p>
-        </p:txBody>
-      </p:sp>
-      <p:sp>
-        <p:nvSpPr>
-          <p:cNvPr id="12" name="Arc 11">
-            <a:extLst>
-              <a:ext uri="{FF2B5EF4-FFF2-40B4-BE49-F238E27FC236}">
-                <a16:creationId xmlns:a16="http://schemas.microsoft.com/office/drawing/2014/main" id="{081E4A58-353D-44AE-B2FC-2A74E2E400F7}"/>
-              </a:ext>
-              <a:ext uri="{C183D7F6-B498-43B3-948B-1728B52AA6E4}">
-                <adec:decorative xmlns:adec="http://schemas.microsoft.com/office/drawing/2017/decorative" val="1"/>
-              </a:ext>
-            </a:extLst>
-          </p:cNvPr>
-          <p:cNvSpPr>
-            <a:spLocks noGrp="1" noRot="1" noChangeAspect="1" noMove="1" noResize="1" noEditPoints="1" noAdjustHandles="1" noChangeArrowheads="1" noChangeShapeType="1" noTextEdit="1"/>
-          </p:cNvSpPr>
-          <p:nvPr>
-            <p:extLst>
-              <p:ext uri="{386F3935-93C4-4BCD-93E2-E3B085C9AB24}">
-                <p16:designElem xmlns:p16="http://schemas.microsoft.com/office/powerpoint/2015/main" val="1"/>
-              </p:ext>
-            </p:extLst>
-          </p:nvPr>
-        </p:nvSpPr>
-        <p:spPr>
-          <a:xfrm flipV="1">
-            <a:off x="7550402" y="2455479"/>
-            <a:ext cx="4083433" cy="4083433"/>
-          </a:xfrm>
-          <a:prstGeom prst="arc">
-            <a:avLst/>
-          </a:prstGeom>
-          <a:ln w="127000" cap="rnd">
-            <a:solidFill>
-              <a:schemeClr val="accent4"/>
-            </a:solidFill>
-            <a:prstDash val="dash"/>
-          </a:ln>
-        </p:spPr>
-        <p:style>
-          <a:lnRef idx="1">
-            <a:schemeClr val="accent1"/>
-          </a:lnRef>
-          <a:fillRef idx="0">
-            <a:schemeClr val="accent1"/>
-          </a:fillRef>
-          <a:effectRef idx="0">
-            <a:schemeClr val="accent1"/>
-          </a:effectRef>
-          <a:fontRef idx="minor">
-            <a:schemeClr val="tx1"/>
-          </a:fontRef>
-        </p:style>
-        <p:txBody>
-          <a:bodyPr rtlCol="0" anchor="ctr"/>
-          <a:lstStyle/>
-          <a:p>
-            <a:pPr algn="ctr"/>
-            <a:endParaRPr lang="en-US" dirty="0"/>
-          </a:p>
-        </p:txBody>
-      </p:sp>
-      <p:sp>
-        <p:nvSpPr>
-          <p:cNvPr id="3" name="Content Placeholder 2">
-            <a:extLst>
-              <a:ext uri="{FF2B5EF4-FFF2-40B4-BE49-F238E27FC236}">
-                <a16:creationId xmlns:a16="http://schemas.microsoft.com/office/drawing/2014/main" id="{60FA9D87-E8B6-4DA4-AC96-C8C452F43032}"/>
-              </a:ext>
-            </a:extLst>
-          </p:cNvPr>
-          <p:cNvSpPr>
-            <a:spLocks noGrp="1"/>
-          </p:cNvSpPr>
-          <p:nvPr>
-            <p:ph idx="1"/>
-          </p:nvPr>
-        </p:nvSpPr>
-        <p:spPr>
-          <a:xfrm>
-            <a:off x="4447308" y="591344"/>
-            <a:ext cx="6906491" cy="5585619"/>
-          </a:xfrm>
-        </p:spPr>
-        <p:txBody>
-          <a:bodyPr anchor="ctr">
-            <a:normAutofit/>
-          </a:bodyPr>
-          <a:lstStyle/>
-          <a:p>
-            <a:pPr marL="0" indent="0">
-              <a:buNone/>
-            </a:pPr>
-            <a:r>
-              <a:rPr lang="en-US" dirty="0"/>
-              <a:t>Parameter is characteristic or measure of a sample</a:t>
-            </a:r>
-          </a:p>
-          <a:p>
-            <a:pPr marL="514350" indent="-514350">
-              <a:buFont typeface="+mj-lt"/>
-              <a:buAutoNum type="alphaUcPeriod"/>
-            </a:pPr>
-            <a:r>
-              <a:rPr lang="en-US" dirty="0"/>
-              <a:t>True</a:t>
-            </a:r>
-          </a:p>
-          <a:p>
-            <a:pPr marL="514350" indent="-514350">
-              <a:buFont typeface="+mj-lt"/>
-              <a:buAutoNum type="alphaUcPeriod"/>
-            </a:pPr>
-            <a:r>
-              <a:rPr lang="en-US" dirty="0"/>
-              <a:t>False</a:t>
-            </a:r>
-          </a:p>
-        </p:txBody>
-      </p:sp>
-    </p:spTree>
-    <p:extLst>
-      <p:ext uri="{BB962C8B-B14F-4D97-AF65-F5344CB8AC3E}">
-        <p14:creationId xmlns:p14="http://schemas.microsoft.com/office/powerpoint/2010/main" val="4100560985"/>
-      </p:ext>
-    </p:extLst>
-  </p:cSld>
-  <p:clrMapOvr>
-    <a:masterClrMapping/>
-  </p:clrMapOvr>
-</p:sld>
-</file>
-
-<file path=ppt/slides/slide20.xml><?xml version="1.0" encoding="utf-8"?>
+<file path=ppt/slides/slide21.xml><?xml version="1.0" encoding="utf-8"?>
 <p:sld xmlns:a="http://schemas.openxmlformats.org/drawingml/2006/main" xmlns:r="http://schemas.openxmlformats.org/officeDocument/2006/relationships" xmlns:p="http://schemas.openxmlformats.org/presentationml/2006/main">
   <p:cSld>
     <p:bg>
@@ -19208,7 +19242,7 @@
 </p:sld>
 </file>
 
-<file path=ppt/slides/slide21.xml><?xml version="1.0" encoding="utf-8"?>
+<file path=ppt/slides/slide22.xml><?xml version="1.0" encoding="utf-8"?>
 <p:sld xmlns:a="http://schemas.openxmlformats.org/drawingml/2006/main" xmlns:r="http://schemas.openxmlformats.org/officeDocument/2006/relationships" xmlns:p="http://schemas.openxmlformats.org/presentationml/2006/main">
   <p:cSld>
     <p:bg>
@@ -19653,7 +19687,7 @@
 </p:sld>
 </file>
 
-<file path=ppt/slides/slide22.xml><?xml version="1.0" encoding="utf-8"?>
+<file path=ppt/slides/slide23.xml><?xml version="1.0" encoding="utf-8"?>
 <p:sld xmlns:a="http://schemas.openxmlformats.org/drawingml/2006/main" xmlns:r="http://schemas.openxmlformats.org/officeDocument/2006/relationships" xmlns:p="http://schemas.openxmlformats.org/presentationml/2006/main">
   <p:cSld>
     <p:spTree>
@@ -20073,7 +20107,7 @@
 </p:sld>
 </file>
 
-<file path=ppt/slides/slide23.xml><?xml version="1.0" encoding="utf-8"?>
+<file path=ppt/slides/slide24.xml><?xml version="1.0" encoding="utf-8"?>
 <p:sld xmlns:a="http://schemas.openxmlformats.org/drawingml/2006/main" xmlns:r="http://schemas.openxmlformats.org/officeDocument/2006/relationships" xmlns:p="http://schemas.openxmlformats.org/presentationml/2006/main">
   <p:cSld>
     <p:spTree>
@@ -21333,7 +21367,7 @@
 </p:sld>
 </file>
 
-<file path=ppt/slides/slide24.xml><?xml version="1.0" encoding="utf-8"?>
+<file path=ppt/slides/slide25.xml><?xml version="1.0" encoding="utf-8"?>
 <p:sld xmlns:a="http://schemas.openxmlformats.org/drawingml/2006/main" xmlns:r="http://schemas.openxmlformats.org/officeDocument/2006/relationships" xmlns:p="http://schemas.openxmlformats.org/presentationml/2006/main">
   <p:cSld>
     <p:spTree>
@@ -21877,7 +21911,7 @@
 </p:sld>
 </file>
 
-<file path=ppt/slides/slide25.xml><?xml version="1.0" encoding="utf-8"?>
+<file path=ppt/slides/slide26.xml><?xml version="1.0" encoding="utf-8"?>
 <p:sld xmlns:a="http://schemas.openxmlformats.org/drawingml/2006/main" xmlns:r="http://schemas.openxmlformats.org/officeDocument/2006/relationships" xmlns:p="http://schemas.openxmlformats.org/presentationml/2006/main">
   <p:cSld>
     <p:bg>
@@ -22720,7 +22754,7 @@
 </p:sld>
 </file>
 
-<file path=ppt/slides/slide26.xml><?xml version="1.0" encoding="utf-8"?>
+<file path=ppt/slides/slide27.xml><?xml version="1.0" encoding="utf-8"?>
 <p:sld xmlns:a="http://schemas.openxmlformats.org/drawingml/2006/main" xmlns:r="http://schemas.openxmlformats.org/officeDocument/2006/relationships" xmlns:p="http://schemas.openxmlformats.org/presentationml/2006/main">
   <p:cSld>
     <p:bg>
@@ -24532,7 +24566,7 @@
 </p:sld>
 </file>
 
-<file path=ppt/slides/slide27.xml><?xml version="1.0" encoding="utf-8"?>
+<file path=ppt/slides/slide28.xml><?xml version="1.0" encoding="utf-8"?>
 <p:sld xmlns:a="http://schemas.openxmlformats.org/drawingml/2006/main" xmlns:r="http://schemas.openxmlformats.org/officeDocument/2006/relationships" xmlns:p="http://schemas.openxmlformats.org/presentationml/2006/main">
   <p:cSld>
     <p:bg>
@@ -26344,7 +26378,7 @@
 </p:sld>
 </file>
 
-<file path=ppt/slides/slide28.xml><?xml version="1.0" encoding="utf-8"?>
+<file path=ppt/slides/slide29.xml><?xml version="1.0" encoding="utf-8"?>
 <p:sld xmlns:a="http://schemas.openxmlformats.org/drawingml/2006/main" xmlns:r="http://schemas.openxmlformats.org/officeDocument/2006/relationships" xmlns:p="http://schemas.openxmlformats.org/presentationml/2006/main">
   <p:cSld>
     <p:bg>
@@ -30016,7 +30050,397 @@
 </p:sld>
 </file>
 
-<file path=ppt/slides/slide29.xml><?xml version="1.0" encoding="utf-8"?>
+<file path=ppt/slides/slide3.xml><?xml version="1.0" encoding="utf-8"?>
+<p:sld xmlns:a="http://schemas.openxmlformats.org/drawingml/2006/main" xmlns:r="http://schemas.openxmlformats.org/officeDocument/2006/relationships" xmlns:p="http://schemas.openxmlformats.org/presentationml/2006/main">
+  <p:cSld>
+    <p:bg>
+      <p:bgPr>
+        <a:solidFill>
+          <a:schemeClr val="bg1"/>
+        </a:solidFill>
+        <a:effectLst/>
+      </p:bgPr>
+    </p:bg>
+    <p:spTree>
+      <p:nvGrpSpPr>
+        <p:cNvPr id="1" name=""/>
+        <p:cNvGrpSpPr/>
+        <p:nvPr/>
+      </p:nvGrpSpPr>
+      <p:grpSpPr>
+        <a:xfrm>
+          <a:off x="0" y="0"/>
+          <a:ext cx="0" cy="0"/>
+          <a:chOff x="0" y="0"/>
+          <a:chExt cx="0" cy="0"/>
+        </a:xfrm>
+      </p:grpSpPr>
+      <p:sp useBgFill="1">
+        <p:nvSpPr>
+          <p:cNvPr id="8" name="Rectangle 7">
+            <a:extLst>
+              <a:ext uri="{FF2B5EF4-FFF2-40B4-BE49-F238E27FC236}">
+                <a16:creationId xmlns:a16="http://schemas.microsoft.com/office/drawing/2014/main" id="{907EF6B7-1338-4443-8C46-6A318D952DFD}"/>
+              </a:ext>
+              <a:ext uri="{C183D7F6-B498-43B3-948B-1728B52AA6E4}">
+                <adec:decorative xmlns:adec="http://schemas.microsoft.com/office/drawing/2017/decorative" val="1"/>
+              </a:ext>
+            </a:extLst>
+          </p:cNvPr>
+          <p:cNvSpPr>
+            <a:spLocks noGrp="1" noRot="1" noChangeAspect="1" noMove="1" noResize="1" noEditPoints="1" noAdjustHandles="1" noChangeArrowheads="1" noChangeShapeType="1" noTextEdit="1"/>
+          </p:cNvSpPr>
+          <p:nvPr>
+            <p:extLst>
+              <p:ext uri="{386F3935-93C4-4BCD-93E2-E3B085C9AB24}">
+                <p16:designElem xmlns:p16="http://schemas.microsoft.com/office/powerpoint/2015/main" val="1"/>
+              </p:ext>
+            </p:extLst>
+          </p:nvPr>
+        </p:nvSpPr>
+        <p:spPr>
+          <a:xfrm>
+            <a:off x="3048" y="0"/>
+            <a:ext cx="12188952" cy="6858000"/>
+          </a:xfrm>
+          <a:prstGeom prst="rect">
+            <a:avLst/>
+          </a:prstGeom>
+          <a:ln>
+            <a:noFill/>
+          </a:ln>
+        </p:spPr>
+        <p:style>
+          <a:lnRef idx="2">
+            <a:schemeClr val="accent1">
+              <a:shade val="50000"/>
+            </a:schemeClr>
+          </a:lnRef>
+          <a:fillRef idx="1">
+            <a:schemeClr val="accent1"/>
+          </a:fillRef>
+          <a:effectRef idx="0">
+            <a:schemeClr val="accent1"/>
+          </a:effectRef>
+          <a:fontRef idx="minor">
+            <a:schemeClr val="lt1"/>
+          </a:fontRef>
+        </p:style>
+        <p:txBody>
+          <a:bodyPr rtlCol="0" anchor="ctr"/>
+          <a:lstStyle/>
+          <a:p>
+            <a:pPr algn="ctr"/>
+            <a:endParaRPr lang="en-US"/>
+          </a:p>
+        </p:txBody>
+      </p:sp>
+      <p:sp>
+        <p:nvSpPr>
+          <p:cNvPr id="10" name="Freeform: Shape 9">
+            <a:extLst>
+              <a:ext uri="{FF2B5EF4-FFF2-40B4-BE49-F238E27FC236}">
+                <a16:creationId xmlns:a16="http://schemas.microsoft.com/office/drawing/2014/main" id="{DAAE4CDD-124C-4DCF-9584-B6033B545DD5}"/>
+              </a:ext>
+              <a:ext uri="{C183D7F6-B498-43B3-948B-1728B52AA6E4}">
+                <adec:decorative xmlns:adec="http://schemas.microsoft.com/office/drawing/2017/decorative" val="1"/>
+              </a:ext>
+            </a:extLst>
+          </p:cNvPr>
+          <p:cNvSpPr>
+            <a:spLocks noGrp="1" noRot="1" noChangeAspect="1" noMove="1" noResize="1" noEditPoints="1" noAdjustHandles="1" noChangeArrowheads="1" noChangeShapeType="1" noTextEdit="1"/>
+          </p:cNvSpPr>
+          <p:nvPr>
+            <p:extLst>
+              <p:ext uri="{386F3935-93C4-4BCD-93E2-E3B085C9AB24}">
+                <p16:designElem xmlns:p16="http://schemas.microsoft.com/office/powerpoint/2015/main" val="1"/>
+              </p:ext>
+            </p:extLst>
+          </p:nvPr>
+        </p:nvSpPr>
+        <p:spPr>
+          <a:xfrm>
+            <a:off x="1" y="0"/>
+            <a:ext cx="4167271" cy="6858000"/>
+          </a:xfrm>
+          <a:custGeom>
+            <a:avLst/>
+            <a:gdLst>
+              <a:gd name="connsiteX0" fmla="*/ 0 w 4167271"/>
+              <a:gd name="connsiteY0" fmla="*/ 0 h 6858000"/>
+              <a:gd name="connsiteX1" fmla="*/ 2259550 w 4167271"/>
+              <a:gd name="connsiteY1" fmla="*/ 0 h 6858000"/>
+              <a:gd name="connsiteX2" fmla="*/ 2387803 w 4167271"/>
+              <a:gd name="connsiteY2" fmla="*/ 82222 h 6858000"/>
+              <a:gd name="connsiteX3" fmla="*/ 4167271 w 4167271"/>
+              <a:gd name="connsiteY3" fmla="*/ 3429000 h 6858000"/>
+              <a:gd name="connsiteX4" fmla="*/ 2387803 w 4167271"/>
+              <a:gd name="connsiteY4" fmla="*/ 6775779 h 6858000"/>
+              <a:gd name="connsiteX5" fmla="*/ 2259550 w 4167271"/>
+              <a:gd name="connsiteY5" fmla="*/ 6858000 h 6858000"/>
+              <a:gd name="connsiteX6" fmla="*/ 0 w 4167271"/>
+              <a:gd name="connsiteY6" fmla="*/ 6858000 h 6858000"/>
+            </a:gdLst>
+            <a:ahLst/>
+            <a:cxnLst>
+              <a:cxn ang="0">
+                <a:pos x="connsiteX0" y="connsiteY0"/>
+              </a:cxn>
+              <a:cxn ang="0">
+                <a:pos x="connsiteX1" y="connsiteY1"/>
+              </a:cxn>
+              <a:cxn ang="0">
+                <a:pos x="connsiteX2" y="connsiteY2"/>
+              </a:cxn>
+              <a:cxn ang="0">
+                <a:pos x="connsiteX3" y="connsiteY3"/>
+              </a:cxn>
+              <a:cxn ang="0">
+                <a:pos x="connsiteX4" y="connsiteY4"/>
+              </a:cxn>
+              <a:cxn ang="0">
+                <a:pos x="connsiteX5" y="connsiteY5"/>
+              </a:cxn>
+              <a:cxn ang="0">
+                <a:pos x="connsiteX6" y="connsiteY6"/>
+              </a:cxn>
+            </a:cxnLst>
+            <a:rect l="l" t="t" r="r" b="b"/>
+            <a:pathLst>
+              <a:path w="4167271" h="6858000">
+                <a:moveTo>
+                  <a:pt x="0" y="0"/>
+                </a:moveTo>
+                <a:lnTo>
+                  <a:pt x="2259550" y="0"/>
+                </a:lnTo>
+                <a:lnTo>
+                  <a:pt x="2387803" y="82222"/>
+                </a:lnTo>
+                <a:cubicBezTo>
+                  <a:pt x="3461407" y="807534"/>
+                  <a:pt x="4167271" y="2035835"/>
+                  <a:pt x="4167271" y="3429000"/>
+                </a:cubicBezTo>
+                <a:cubicBezTo>
+                  <a:pt x="4167271" y="4822165"/>
+                  <a:pt x="3461407" y="6050467"/>
+                  <a:pt x="2387803" y="6775779"/>
+                </a:cubicBezTo>
+                <a:lnTo>
+                  <a:pt x="2259550" y="6858000"/>
+                </a:lnTo>
+                <a:lnTo>
+                  <a:pt x="0" y="6858000"/>
+                </a:lnTo>
+                <a:close/>
+              </a:path>
+            </a:pathLst>
+          </a:custGeom>
+          <a:solidFill>
+            <a:schemeClr val="accent2"/>
+          </a:solidFill>
+          <a:ln>
+            <a:noFill/>
+          </a:ln>
+        </p:spPr>
+        <p:style>
+          <a:lnRef idx="2">
+            <a:schemeClr val="accent1">
+              <a:shade val="50000"/>
+            </a:schemeClr>
+          </a:lnRef>
+          <a:fillRef idx="1">
+            <a:schemeClr val="accent1"/>
+          </a:fillRef>
+          <a:effectRef idx="0">
+            <a:schemeClr val="accent1"/>
+          </a:effectRef>
+          <a:fontRef idx="minor">
+            <a:schemeClr val="lt1"/>
+          </a:fontRef>
+        </p:style>
+        <p:txBody>
+          <a:bodyPr rtlCol="0" anchor="ctr"/>
+          <a:lstStyle/>
+          <a:p>
+            <a:pPr algn="ctr"/>
+            <a:endParaRPr lang="en-US"/>
+          </a:p>
+        </p:txBody>
+      </p:sp>
+      <p:sp>
+        <p:nvSpPr>
+          <p:cNvPr id="2" name="Title 1">
+            <a:extLst>
+              <a:ext uri="{FF2B5EF4-FFF2-40B4-BE49-F238E27FC236}">
+                <a16:creationId xmlns:a16="http://schemas.microsoft.com/office/drawing/2014/main" id="{6319B6E0-1ED1-4366-B3CC-BAFABA0E9457}"/>
+              </a:ext>
+            </a:extLst>
+          </p:cNvPr>
+          <p:cNvSpPr>
+            <a:spLocks noGrp="1"/>
+          </p:cNvSpPr>
+          <p:nvPr>
+            <p:ph type="title"/>
+          </p:nvPr>
+        </p:nvSpPr>
+        <p:spPr>
+          <a:xfrm>
+            <a:off x="686834" y="1153572"/>
+            <a:ext cx="3200400" cy="4461163"/>
+          </a:xfrm>
+        </p:spPr>
+        <p:txBody>
+          <a:bodyPr>
+            <a:normAutofit/>
+          </a:bodyPr>
+          <a:lstStyle/>
+          <a:p>
+            <a:r>
+              <a:rPr lang="en-US">
+                <a:solidFill>
+                  <a:srgbClr val="FFFFFF"/>
+                </a:solidFill>
+              </a:rPr>
+              <a:t>iClicker Question</a:t>
+            </a:r>
+          </a:p>
+        </p:txBody>
+      </p:sp>
+      <p:sp>
+        <p:nvSpPr>
+          <p:cNvPr id="12" name="Arc 11">
+            <a:extLst>
+              <a:ext uri="{FF2B5EF4-FFF2-40B4-BE49-F238E27FC236}">
+                <a16:creationId xmlns:a16="http://schemas.microsoft.com/office/drawing/2014/main" id="{081E4A58-353D-44AE-B2FC-2A74E2E400F7}"/>
+              </a:ext>
+              <a:ext uri="{C183D7F6-B498-43B3-948B-1728B52AA6E4}">
+                <adec:decorative xmlns:adec="http://schemas.microsoft.com/office/drawing/2017/decorative" val="1"/>
+              </a:ext>
+            </a:extLst>
+          </p:cNvPr>
+          <p:cNvSpPr>
+            <a:spLocks noGrp="1" noRot="1" noChangeAspect="1" noMove="1" noResize="1" noEditPoints="1" noAdjustHandles="1" noChangeArrowheads="1" noChangeShapeType="1" noTextEdit="1"/>
+          </p:cNvSpPr>
+          <p:nvPr>
+            <p:extLst>
+              <p:ext uri="{386F3935-93C4-4BCD-93E2-E3B085C9AB24}">
+                <p16:designElem xmlns:p16="http://schemas.microsoft.com/office/powerpoint/2015/main" val="1"/>
+              </p:ext>
+            </p:extLst>
+          </p:nvPr>
+        </p:nvSpPr>
+        <p:spPr>
+          <a:xfrm flipV="1">
+            <a:off x="7550402" y="2455479"/>
+            <a:ext cx="4083433" cy="4083433"/>
+          </a:xfrm>
+          <a:prstGeom prst="arc">
+            <a:avLst/>
+          </a:prstGeom>
+          <a:ln w="127000" cap="rnd">
+            <a:solidFill>
+              <a:schemeClr val="accent4"/>
+            </a:solidFill>
+            <a:prstDash val="dash"/>
+          </a:ln>
+        </p:spPr>
+        <p:style>
+          <a:lnRef idx="1">
+            <a:schemeClr val="accent1"/>
+          </a:lnRef>
+          <a:fillRef idx="0">
+            <a:schemeClr val="accent1"/>
+          </a:fillRef>
+          <a:effectRef idx="0">
+            <a:schemeClr val="accent1"/>
+          </a:effectRef>
+          <a:fontRef idx="minor">
+            <a:schemeClr val="tx1"/>
+          </a:fontRef>
+        </p:style>
+        <p:txBody>
+          <a:bodyPr rtlCol="0" anchor="ctr"/>
+          <a:lstStyle/>
+          <a:p>
+            <a:pPr algn="ctr"/>
+            <a:endParaRPr lang="en-US" dirty="0"/>
+          </a:p>
+        </p:txBody>
+      </p:sp>
+      <p:sp>
+        <p:nvSpPr>
+          <p:cNvPr id="3" name="Content Placeholder 2">
+            <a:extLst>
+              <a:ext uri="{FF2B5EF4-FFF2-40B4-BE49-F238E27FC236}">
+                <a16:creationId xmlns:a16="http://schemas.microsoft.com/office/drawing/2014/main" id="{60FA9D87-E8B6-4DA4-AC96-C8C452F43032}"/>
+              </a:ext>
+            </a:extLst>
+          </p:cNvPr>
+          <p:cNvSpPr>
+            <a:spLocks noGrp="1"/>
+          </p:cNvSpPr>
+          <p:nvPr>
+            <p:ph idx="1"/>
+          </p:nvPr>
+        </p:nvSpPr>
+        <p:spPr>
+          <a:xfrm>
+            <a:off x="4447308" y="591344"/>
+            <a:ext cx="6906491" cy="5585619"/>
+          </a:xfrm>
+        </p:spPr>
+        <p:txBody>
+          <a:bodyPr anchor="ctr">
+            <a:normAutofit/>
+          </a:bodyPr>
+          <a:lstStyle/>
+          <a:p>
+            <a:pPr marL="0" indent="0">
+              <a:buNone/>
+            </a:pPr>
+            <a:r>
+              <a:rPr lang="en-US" dirty="0"/>
+              <a:t>Parameter is characteristic or measure of a sample</a:t>
+            </a:r>
+          </a:p>
+          <a:p>
+            <a:pPr marL="514350" indent="-514350">
+              <a:buFont typeface="+mj-lt"/>
+              <a:buAutoNum type="alphaUcPeriod"/>
+            </a:pPr>
+            <a:r>
+              <a:rPr lang="en-US" dirty="0"/>
+              <a:t>True</a:t>
+            </a:r>
+          </a:p>
+          <a:p>
+            <a:pPr marL="514350" indent="-514350">
+              <a:buFont typeface="+mj-lt"/>
+              <a:buAutoNum type="alphaUcPeriod"/>
+            </a:pPr>
+            <a:r>
+              <a:rPr lang="en-US" dirty="0"/>
+              <a:t>False</a:t>
+            </a:r>
+          </a:p>
+        </p:txBody>
+      </p:sp>
+    </p:spTree>
+    <p:extLst>
+      <p:ext uri="{BB962C8B-B14F-4D97-AF65-F5344CB8AC3E}">
+        <p14:creationId xmlns:p14="http://schemas.microsoft.com/office/powerpoint/2010/main" val="4100560985"/>
+      </p:ext>
+    </p:extLst>
+  </p:cSld>
+  <p:clrMapOvr>
+    <a:masterClrMapping/>
+  </p:clrMapOvr>
+</p:sld>
+</file>
+
+<file path=ppt/slides/slide30.xml><?xml version="1.0" encoding="utf-8"?>
 <p:sld xmlns:a="http://schemas.openxmlformats.org/drawingml/2006/main" xmlns:r="http://schemas.openxmlformats.org/officeDocument/2006/relationships" xmlns:p="http://schemas.openxmlformats.org/presentationml/2006/main">
   <p:cSld>
     <p:bg>
@@ -30247,223 +30671,7 @@
 </p:sld>
 </file>
 
-<file path=ppt/slides/slide3.xml><?xml version="1.0" encoding="utf-8"?>
-<p:sld xmlns:a="http://schemas.openxmlformats.org/drawingml/2006/main" xmlns:r="http://schemas.openxmlformats.org/officeDocument/2006/relationships" xmlns:p="http://schemas.openxmlformats.org/presentationml/2006/main">
-  <p:cSld>
-    <p:bg>
-      <p:bgPr>
-        <a:solidFill>
-          <a:schemeClr val="bg1"/>
-        </a:solidFill>
-        <a:effectLst/>
-      </p:bgPr>
-    </p:bg>
-    <p:spTree>
-      <p:nvGrpSpPr>
-        <p:cNvPr id="1" name=""/>
-        <p:cNvGrpSpPr/>
-        <p:nvPr/>
-      </p:nvGrpSpPr>
-      <p:grpSpPr>
-        <a:xfrm>
-          <a:off x="0" y="0"/>
-          <a:ext cx="0" cy="0"/>
-          <a:chOff x="0" y="0"/>
-          <a:chExt cx="0" cy="0"/>
-        </a:xfrm>
-      </p:grpSpPr>
-      <p:sp>
-        <p:nvSpPr>
-          <p:cNvPr id="2" name="Title 1">
-            <a:extLst>
-              <a:ext uri="{FF2B5EF4-FFF2-40B4-BE49-F238E27FC236}">
-                <a16:creationId xmlns:a16="http://schemas.microsoft.com/office/drawing/2014/main" id="{06AE37C8-1497-481A-8C44-7145B07DCDD6}"/>
-              </a:ext>
-            </a:extLst>
-          </p:cNvPr>
-          <p:cNvSpPr>
-            <a:spLocks noGrp="1"/>
-          </p:cNvSpPr>
-          <p:nvPr>
-            <p:ph type="title"/>
-          </p:nvPr>
-        </p:nvSpPr>
-        <p:spPr>
-          <a:xfrm>
-            <a:off x="4965430" y="629268"/>
-            <a:ext cx="6586491" cy="1286160"/>
-          </a:xfrm>
-        </p:spPr>
-        <p:txBody>
-          <a:bodyPr anchor="b">
-            <a:normAutofit/>
-          </a:bodyPr>
-          <a:lstStyle/>
-          <a:p>
-            <a:r>
-              <a:rPr lang="en-US" dirty="0"/>
-              <a:t>iClicker Question</a:t>
-            </a:r>
-          </a:p>
-        </p:txBody>
-      </p:sp>
-      <p:sp>
-        <p:nvSpPr>
-          <p:cNvPr id="3" name="Content Placeholder 2">
-            <a:extLst>
-              <a:ext uri="{FF2B5EF4-FFF2-40B4-BE49-F238E27FC236}">
-                <a16:creationId xmlns:a16="http://schemas.microsoft.com/office/drawing/2014/main" id="{9F0CBA55-7A17-4092-95F2-F8176A0B4821}"/>
-              </a:ext>
-            </a:extLst>
-          </p:cNvPr>
-          <p:cNvSpPr>
-            <a:spLocks noGrp="1"/>
-          </p:cNvSpPr>
-          <p:nvPr>
-            <p:ph idx="1"/>
-          </p:nvPr>
-        </p:nvSpPr>
-        <p:spPr>
-          <a:xfrm>
-            <a:off x="4965431" y="2438400"/>
-            <a:ext cx="6586489" cy="3785419"/>
-          </a:xfrm>
-        </p:spPr>
-        <p:txBody>
-          <a:bodyPr>
-            <a:normAutofit/>
-          </a:bodyPr>
-          <a:lstStyle/>
-          <a:p>
-            <a:pPr marL="0" indent="0">
-              <a:buNone/>
-            </a:pPr>
-            <a:r>
-              <a:rPr lang="en-US" sz="2000"/>
-              <a:t>Sampling error </a:t>
-            </a:r>
-          </a:p>
-          <a:p>
-            <a:pPr marL="514350" indent="-514350">
-              <a:buFont typeface="+mj-lt"/>
-              <a:buAutoNum type="alphaUcPeriod"/>
-            </a:pPr>
-            <a:r>
-              <a:rPr lang="en-US" sz="2000"/>
-              <a:t>Decreases with increasing sample size </a:t>
-            </a:r>
-          </a:p>
-          <a:p>
-            <a:pPr marL="514350" indent="-514350">
-              <a:buFont typeface="+mj-lt"/>
-              <a:buAutoNum type="alphaUcPeriod"/>
-            </a:pPr>
-            <a:r>
-              <a:rPr lang="en-US" sz="2000"/>
-              <a:t>Increases with increasing sample size </a:t>
-            </a:r>
-          </a:p>
-          <a:p>
-            <a:endParaRPr lang="en-US" sz="2000"/>
-          </a:p>
-        </p:txBody>
-      </p:sp>
-      <p:pic>
-        <p:nvPicPr>
-          <p:cNvPr id="5" name="Picture 4" descr="Many question marks on black background">
-            <a:extLst>
-              <a:ext uri="{FF2B5EF4-FFF2-40B4-BE49-F238E27FC236}">
-                <a16:creationId xmlns:a16="http://schemas.microsoft.com/office/drawing/2014/main" id="{4816A9E2-A96D-45AF-8DD0-C11B5D64B2F8}"/>
-              </a:ext>
-            </a:extLst>
-          </p:cNvPr>
-          <p:cNvPicPr>
-            <a:picLocks noChangeAspect="1"/>
-          </p:cNvPicPr>
-          <p:nvPr/>
-        </p:nvPicPr>
-        <p:blipFill rotWithShape="1">
-          <a:blip r:embed="rId2"/>
-          <a:srcRect l="58767" r="2" b="2"/>
-          <a:stretch/>
-        </p:blipFill>
-        <p:spPr>
-          <a:xfrm>
-            <a:off x="20" y="10"/>
-            <a:ext cx="4635571" cy="6857990"/>
-          </a:xfrm>
-          <a:prstGeom prst="rect">
-            <a:avLst/>
-          </a:prstGeom>
-          <a:effectLst/>
-        </p:spPr>
-      </p:pic>
-      <p:cxnSp>
-        <p:nvCxnSpPr>
-          <p:cNvPr id="9" name="Straight Connector 8">
-            <a:extLst>
-              <a:ext uri="{FF2B5EF4-FFF2-40B4-BE49-F238E27FC236}">
-                <a16:creationId xmlns:a16="http://schemas.microsoft.com/office/drawing/2014/main" id="{A7F400EE-A8A5-48AF-B4D6-291B52C6F0B0}"/>
-              </a:ext>
-              <a:ext uri="{C183D7F6-B498-43B3-948B-1728B52AA6E4}">
-                <adec:decorative xmlns:adec="http://schemas.microsoft.com/office/drawing/2017/decorative" val="1"/>
-              </a:ext>
-            </a:extLst>
-          </p:cNvPr>
-          <p:cNvCxnSpPr>
-            <a:cxnSpLocks noGrp="1" noRot="1" noChangeAspect="1" noMove="1" noResize="1" noEditPoints="1" noAdjustHandles="1" noChangeArrowheads="1" noChangeShapeType="1"/>
-          </p:cNvCxnSpPr>
-          <p:nvPr>
-            <p:extLst>
-              <p:ext uri="{386F3935-93C4-4BCD-93E2-E3B085C9AB24}">
-                <p16:designElem xmlns:p16="http://schemas.microsoft.com/office/powerpoint/2015/main" val="1"/>
-              </p:ext>
-            </p:extLst>
-          </p:nvPr>
-        </p:nvCxnSpPr>
-        <p:spPr>
-          <a:xfrm>
-            <a:off x="5080934" y="2115117"/>
-            <a:ext cx="6309360" cy="0"/>
-          </a:xfrm>
-          <a:prstGeom prst="line">
-            <a:avLst/>
-          </a:prstGeom>
-          <a:ln w="19050">
-            <a:solidFill>
-              <a:schemeClr val="accent1"/>
-            </a:solidFill>
-          </a:ln>
-        </p:spPr>
-        <p:style>
-          <a:lnRef idx="1">
-            <a:schemeClr val="accent1"/>
-          </a:lnRef>
-          <a:fillRef idx="0">
-            <a:schemeClr val="accent1"/>
-          </a:fillRef>
-          <a:effectRef idx="0">
-            <a:schemeClr val="accent1"/>
-          </a:effectRef>
-          <a:fontRef idx="minor">
-            <a:schemeClr val="tx1"/>
-          </a:fontRef>
-        </p:style>
-      </p:cxnSp>
-    </p:spTree>
-    <p:extLst>
-      <p:ext uri="{BB962C8B-B14F-4D97-AF65-F5344CB8AC3E}">
-        <p14:creationId xmlns:p14="http://schemas.microsoft.com/office/powerpoint/2010/main" val="3775654014"/>
-      </p:ext>
-    </p:extLst>
-  </p:cSld>
-  <p:clrMapOvr>
-    <a:masterClrMapping/>
-  </p:clrMapOvr>
-</p:sld>
-</file>
-
-<file path=ppt/slides/slide30.xml><?xml version="1.0" encoding="utf-8"?>
+<file path=ppt/slides/slide31.xml><?xml version="1.0" encoding="utf-8"?>
 <p:sld xmlns:a="http://schemas.openxmlformats.org/drawingml/2006/main" xmlns:r="http://schemas.openxmlformats.org/officeDocument/2006/relationships" xmlns:p="http://schemas.openxmlformats.org/presentationml/2006/main">
   <p:cSld>
     <p:bg>
@@ -31024,12 +31232,6 @@
           <a:p>
             <a:r>
               <a:rPr lang="en-US" sz="2400" dirty="0"/>
-              <a:t>Sign up for project meeting (no class Wednesday)</a:t>
-            </a:r>
-          </a:p>
-          <a:p>
-            <a:r>
-              <a:rPr lang="en-US" sz="2400" dirty="0"/>
               <a:t>Assignment 4.5 (update assignment 4)</a:t>
             </a:r>
           </a:p>
@@ -31069,7 +31271,7 @@
 </p:sld>
 </file>
 
-<file path=ppt/slides/slide31.xml><?xml version="1.0" encoding="utf-8"?>
+<file path=ppt/slides/slide32.xml><?xml version="1.0" encoding="utf-8"?>
 <p:sld xmlns:a="http://schemas.openxmlformats.org/drawingml/2006/main" xmlns:r="http://schemas.openxmlformats.org/officeDocument/2006/relationships" xmlns:p="http://schemas.openxmlformats.org/presentationml/2006/main">
   <p:cSld>
     <p:bg>
@@ -31695,7 +31897,7 @@
 </p:sld>
 </file>
 
-<file path=ppt/slides/slide32.xml><?xml version="1.0" encoding="utf-8"?>
+<file path=ppt/slides/slide33.xml><?xml version="1.0" encoding="utf-8"?>
 <p:sld xmlns:a="http://schemas.openxmlformats.org/drawingml/2006/main" xmlns:r="http://schemas.openxmlformats.org/officeDocument/2006/relationships" xmlns:p="http://schemas.openxmlformats.org/presentationml/2006/main">
   <p:cSld>
     <p:bg>
@@ -32069,7 +32271,7 @@
           <a:p>
             <a:r>
               <a:rPr lang="en-US" sz="2400" dirty="0"/>
-              <a:t>Chapters 8 to 15, with heavy emphasis on chapters 8, 12, and 15</a:t>
+              <a:t>Chapters 8 to 15, with a heavy emphasis on chapters 8, 12, and 15</a:t>
             </a:r>
           </a:p>
           <a:p>
@@ -32115,7 +32317,7 @@
           <a:p>
             <a:r>
               <a:rPr lang="en-US" sz="2400" dirty="0"/>
-              <a:t>Open from 7:55 AM to 9:30 AM </a:t>
+              <a:t>Open during the class hour</a:t>
             </a:r>
           </a:p>
         </p:txBody>
@@ -32133,7 +32335,7 @@
 </p:sld>
 </file>
 
-<file path=ppt/slides/slide33.xml><?xml version="1.0" encoding="utf-8"?>
+<file path=ppt/slides/slide34.xml><?xml version="1.0" encoding="utf-8"?>
 <p:sld xmlns:a="http://schemas.openxmlformats.org/drawingml/2006/main" xmlns:r="http://schemas.openxmlformats.org/officeDocument/2006/relationships" xmlns:p="http://schemas.openxmlformats.org/presentationml/2006/main">
   <p:cSld>
     <p:bg>
@@ -32621,6 +32823,222 @@
             </a:pPr>
             <a:r>
               <a:rPr lang="en-US" sz="2000"/>
+              <a:t>Sampling error </a:t>
+            </a:r>
+          </a:p>
+          <a:p>
+            <a:pPr marL="514350" indent="-514350">
+              <a:buFont typeface="+mj-lt"/>
+              <a:buAutoNum type="alphaUcPeriod"/>
+            </a:pPr>
+            <a:r>
+              <a:rPr lang="en-US" sz="2000"/>
+              <a:t>Decreases with increasing sample size </a:t>
+            </a:r>
+          </a:p>
+          <a:p>
+            <a:pPr marL="514350" indent="-514350">
+              <a:buFont typeface="+mj-lt"/>
+              <a:buAutoNum type="alphaUcPeriod"/>
+            </a:pPr>
+            <a:r>
+              <a:rPr lang="en-US" sz="2000"/>
+              <a:t>Increases with increasing sample size </a:t>
+            </a:r>
+          </a:p>
+          <a:p>
+            <a:endParaRPr lang="en-US" sz="2000"/>
+          </a:p>
+        </p:txBody>
+      </p:sp>
+      <p:pic>
+        <p:nvPicPr>
+          <p:cNvPr id="5" name="Picture 4" descr="Many question marks on black background">
+            <a:extLst>
+              <a:ext uri="{FF2B5EF4-FFF2-40B4-BE49-F238E27FC236}">
+                <a16:creationId xmlns:a16="http://schemas.microsoft.com/office/drawing/2014/main" id="{4816A9E2-A96D-45AF-8DD0-C11B5D64B2F8}"/>
+              </a:ext>
+            </a:extLst>
+          </p:cNvPr>
+          <p:cNvPicPr>
+            <a:picLocks noChangeAspect="1"/>
+          </p:cNvPicPr>
+          <p:nvPr/>
+        </p:nvPicPr>
+        <p:blipFill rotWithShape="1">
+          <a:blip r:embed="rId2"/>
+          <a:srcRect l="58767" r="2" b="2"/>
+          <a:stretch/>
+        </p:blipFill>
+        <p:spPr>
+          <a:xfrm>
+            <a:off x="20" y="10"/>
+            <a:ext cx="4635571" cy="6857990"/>
+          </a:xfrm>
+          <a:prstGeom prst="rect">
+            <a:avLst/>
+          </a:prstGeom>
+          <a:effectLst/>
+        </p:spPr>
+      </p:pic>
+      <p:cxnSp>
+        <p:nvCxnSpPr>
+          <p:cNvPr id="9" name="Straight Connector 8">
+            <a:extLst>
+              <a:ext uri="{FF2B5EF4-FFF2-40B4-BE49-F238E27FC236}">
+                <a16:creationId xmlns:a16="http://schemas.microsoft.com/office/drawing/2014/main" id="{A7F400EE-A8A5-48AF-B4D6-291B52C6F0B0}"/>
+              </a:ext>
+              <a:ext uri="{C183D7F6-B498-43B3-948B-1728B52AA6E4}">
+                <adec:decorative xmlns:adec="http://schemas.microsoft.com/office/drawing/2017/decorative" val="1"/>
+              </a:ext>
+            </a:extLst>
+          </p:cNvPr>
+          <p:cNvCxnSpPr>
+            <a:cxnSpLocks noGrp="1" noRot="1" noChangeAspect="1" noMove="1" noResize="1" noEditPoints="1" noAdjustHandles="1" noChangeArrowheads="1" noChangeShapeType="1"/>
+          </p:cNvCxnSpPr>
+          <p:nvPr>
+            <p:extLst>
+              <p:ext uri="{386F3935-93C4-4BCD-93E2-E3B085C9AB24}">
+                <p16:designElem xmlns:p16="http://schemas.microsoft.com/office/powerpoint/2015/main" val="1"/>
+              </p:ext>
+            </p:extLst>
+          </p:nvPr>
+        </p:nvCxnSpPr>
+        <p:spPr>
+          <a:xfrm>
+            <a:off x="5080934" y="2115117"/>
+            <a:ext cx="6309360" cy="0"/>
+          </a:xfrm>
+          <a:prstGeom prst="line">
+            <a:avLst/>
+          </a:prstGeom>
+          <a:ln w="19050">
+            <a:solidFill>
+              <a:schemeClr val="accent1"/>
+            </a:solidFill>
+          </a:ln>
+        </p:spPr>
+        <p:style>
+          <a:lnRef idx="1">
+            <a:schemeClr val="accent1"/>
+          </a:lnRef>
+          <a:fillRef idx="0">
+            <a:schemeClr val="accent1"/>
+          </a:fillRef>
+          <a:effectRef idx="0">
+            <a:schemeClr val="accent1"/>
+          </a:effectRef>
+          <a:fontRef idx="minor">
+            <a:schemeClr val="tx1"/>
+          </a:fontRef>
+        </p:style>
+      </p:cxnSp>
+    </p:spTree>
+    <p:extLst>
+      <p:ext uri="{BB962C8B-B14F-4D97-AF65-F5344CB8AC3E}">
+        <p14:creationId xmlns:p14="http://schemas.microsoft.com/office/powerpoint/2010/main" val="3775654014"/>
+      </p:ext>
+    </p:extLst>
+  </p:cSld>
+  <p:clrMapOvr>
+    <a:masterClrMapping/>
+  </p:clrMapOvr>
+</p:sld>
+</file>
+
+<file path=ppt/slides/slide5.xml><?xml version="1.0" encoding="utf-8"?>
+<p:sld xmlns:a="http://schemas.openxmlformats.org/drawingml/2006/main" xmlns:r="http://schemas.openxmlformats.org/officeDocument/2006/relationships" xmlns:p="http://schemas.openxmlformats.org/presentationml/2006/main">
+  <p:cSld>
+    <p:bg>
+      <p:bgPr>
+        <a:solidFill>
+          <a:schemeClr val="bg1"/>
+        </a:solidFill>
+        <a:effectLst/>
+      </p:bgPr>
+    </p:bg>
+    <p:spTree>
+      <p:nvGrpSpPr>
+        <p:cNvPr id="1" name=""/>
+        <p:cNvGrpSpPr/>
+        <p:nvPr/>
+      </p:nvGrpSpPr>
+      <p:grpSpPr>
+        <a:xfrm>
+          <a:off x="0" y="0"/>
+          <a:ext cx="0" cy="0"/>
+          <a:chOff x="0" y="0"/>
+          <a:chExt cx="0" cy="0"/>
+        </a:xfrm>
+      </p:grpSpPr>
+      <p:sp>
+        <p:nvSpPr>
+          <p:cNvPr id="2" name="Title 1">
+            <a:extLst>
+              <a:ext uri="{FF2B5EF4-FFF2-40B4-BE49-F238E27FC236}">
+                <a16:creationId xmlns:a16="http://schemas.microsoft.com/office/drawing/2014/main" id="{06AE37C8-1497-481A-8C44-7145B07DCDD6}"/>
+              </a:ext>
+            </a:extLst>
+          </p:cNvPr>
+          <p:cNvSpPr>
+            <a:spLocks noGrp="1"/>
+          </p:cNvSpPr>
+          <p:nvPr>
+            <p:ph type="title"/>
+          </p:nvPr>
+        </p:nvSpPr>
+        <p:spPr>
+          <a:xfrm>
+            <a:off x="4965430" y="629268"/>
+            <a:ext cx="6586491" cy="1286160"/>
+          </a:xfrm>
+        </p:spPr>
+        <p:txBody>
+          <a:bodyPr anchor="b">
+            <a:normAutofit/>
+          </a:bodyPr>
+          <a:lstStyle/>
+          <a:p>
+            <a:r>
+              <a:rPr lang="en-US" dirty="0"/>
+              <a:t>iClicker Question</a:t>
+            </a:r>
+          </a:p>
+        </p:txBody>
+      </p:sp>
+      <p:sp>
+        <p:nvSpPr>
+          <p:cNvPr id="3" name="Content Placeholder 2">
+            <a:extLst>
+              <a:ext uri="{FF2B5EF4-FFF2-40B4-BE49-F238E27FC236}">
+                <a16:creationId xmlns:a16="http://schemas.microsoft.com/office/drawing/2014/main" id="{9F0CBA55-7A17-4092-95F2-F8176A0B4821}"/>
+              </a:ext>
+            </a:extLst>
+          </p:cNvPr>
+          <p:cNvSpPr>
+            <a:spLocks noGrp="1"/>
+          </p:cNvSpPr>
+          <p:nvPr>
+            <p:ph idx="1"/>
+          </p:nvPr>
+        </p:nvSpPr>
+        <p:spPr>
+          <a:xfrm>
+            <a:off x="4965431" y="2438400"/>
+            <a:ext cx="6586489" cy="3785419"/>
+          </a:xfrm>
+        </p:spPr>
+        <p:txBody>
+          <a:bodyPr>
+            <a:normAutofit/>
+          </a:bodyPr>
+          <a:lstStyle/>
+          <a:p>
+            <a:pPr marL="0" indent="0">
+              <a:buNone/>
+            </a:pPr>
+            <a:r>
+              <a:rPr lang="en-US" sz="2000"/>
               <a:t>Nonprobability sampling allows us to calculate sampling error</a:t>
             </a:r>
           </a:p>
@@ -32741,8 +33159,8 @@
 </p:sld>
 </file>
 
-<file path=ppt/slides/slide5.xml><?xml version="1.0" encoding="utf-8"?>
-<p:sld xmlns:a="http://schemas.openxmlformats.org/drawingml/2006/main" xmlns:r="http://schemas.openxmlformats.org/officeDocument/2006/relationships" xmlns:p="http://schemas.openxmlformats.org/presentationml/2006/main">
+<file path=ppt/slides/slide6.xml><?xml version="1.0" encoding="utf-8"?>
+<p:sld xmlns:a="http://schemas.openxmlformats.org/drawingml/2006/main" xmlns:r="http://schemas.openxmlformats.org/officeDocument/2006/relationships" xmlns:p="http://schemas.openxmlformats.org/presentationml/2006/main" show="0">
   <p:cSld>
     <p:bg>
       <p:bgPr>
@@ -33449,8 +33867,8 @@
               <a:buNone/>
             </a:pPr>
             <a:r>
-              <a:rPr lang="en-US" sz="2200"/>
-              <a:t>Knowing that you need a sample pool of 500 students to ultimately get about 250 students in your sample, you are in position to draw a systematic sample form the student directory at your university. Further, 10,000 students are listed in the directory </a:t>
+              <a:rPr lang="en-US" sz="2200" dirty="0"/>
+              <a:t>Knowing that you need a sample pool of 500 students to ultimately get about 250 students in your sample, you are in a position to draw a systematic sample from the student directory at your university. Further, 10,000 students are listed in the directory </a:t>
             </a:r>
           </a:p>
           <a:p>
@@ -33459,7 +33877,7 @@
               <a:buAutoNum type="alphaUcPeriod"/>
             </a:pPr>
             <a:r>
-              <a:rPr lang="en-US" sz="2200"/>
+              <a:rPr lang="en-US" sz="2200" dirty="0"/>
               <a:t>10</a:t>
             </a:r>
           </a:p>
@@ -33469,7 +33887,7 @@
               <a:buAutoNum type="alphaUcPeriod"/>
             </a:pPr>
             <a:r>
-              <a:rPr lang="en-US" sz="2200"/>
+              <a:rPr lang="en-US" sz="2200" dirty="0"/>
               <a:t>15</a:t>
             </a:r>
           </a:p>
@@ -33479,7 +33897,7 @@
               <a:buAutoNum type="alphaUcPeriod"/>
             </a:pPr>
             <a:r>
-              <a:rPr lang="en-US" sz="2200"/>
+              <a:rPr lang="en-US" sz="2200" dirty="0"/>
               <a:t>20</a:t>
             </a:r>
           </a:p>
@@ -33498,7 +33916,7 @@
 </p:sld>
 </file>
 
-<file path=ppt/slides/slide6.xml><?xml version="1.0" encoding="utf-8"?>
+<file path=ppt/slides/slide7.xml><?xml version="1.0" encoding="utf-8"?>
 <p:sld xmlns:a="http://schemas.openxmlformats.org/drawingml/2006/main" xmlns:r="http://schemas.openxmlformats.org/officeDocument/2006/relationships" xmlns:p="http://schemas.openxmlformats.org/presentationml/2006/main">
   <p:cSld>
     <p:bg>
@@ -34044,7 +34462,7 @@
 </p:sld>
 </file>
 
-<file path=ppt/slides/slide7.xml><?xml version="1.0" encoding="utf-8"?>
+<file path=ppt/slides/slide8.xml><?xml version="1.0" encoding="utf-8"?>
 <p:sld xmlns:a="http://schemas.openxmlformats.org/drawingml/2006/main" xmlns:r="http://schemas.openxmlformats.org/officeDocument/2006/relationships" xmlns:p="http://schemas.openxmlformats.org/presentationml/2006/main" show="0">
   <p:cSld>
     <p:spTree>
@@ -34556,7 +34974,7 @@
 </p:sld>
 </file>
 
-<file path=ppt/slides/slide8.xml><?xml version="1.0" encoding="utf-8"?>
+<file path=ppt/slides/slide9.xml><?xml version="1.0" encoding="utf-8"?>
 <p:sld xmlns:a="http://schemas.openxmlformats.org/drawingml/2006/main" xmlns:r="http://schemas.openxmlformats.org/officeDocument/2006/relationships" xmlns:p="http://schemas.openxmlformats.org/presentationml/2006/main">
   <p:cSld>
     <p:spTree>
@@ -34714,226 +35132,6 @@
     <p:extLst>
       <p:ext uri="{BB962C8B-B14F-4D97-AF65-F5344CB8AC3E}">
         <p14:creationId xmlns:p14="http://schemas.microsoft.com/office/powerpoint/2010/main" val="2141195480"/>
-      </p:ext>
-    </p:extLst>
-  </p:cSld>
-  <p:clrMapOvr>
-    <a:masterClrMapping/>
-  </p:clrMapOvr>
-</p:sld>
-</file>
-
-<file path=ppt/slides/slide9.xml><?xml version="1.0" encoding="utf-8"?>
-<p:sld xmlns:a="http://schemas.openxmlformats.org/drawingml/2006/main" xmlns:r="http://schemas.openxmlformats.org/officeDocument/2006/relationships" xmlns:p="http://schemas.openxmlformats.org/presentationml/2006/main">
-  <p:cSld>
-    <p:spTree>
-      <p:nvGrpSpPr>
-        <p:cNvPr id="1" name=""/>
-        <p:cNvGrpSpPr/>
-        <p:nvPr/>
-      </p:nvGrpSpPr>
-      <p:grpSpPr>
-        <a:xfrm>
-          <a:off x="0" y="0"/>
-          <a:ext cx="0" cy="0"/>
-          <a:chOff x="0" y="0"/>
-          <a:chExt cx="0" cy="0"/>
-        </a:xfrm>
-      </p:grpSpPr>
-      <p:sp>
-        <p:nvSpPr>
-          <p:cNvPr id="2" name="Title 1">
-            <a:extLst>
-              <a:ext uri="{FF2B5EF4-FFF2-40B4-BE49-F238E27FC236}">
-                <a16:creationId xmlns:a16="http://schemas.microsoft.com/office/drawing/2014/main" id="{C8E00E5A-103B-4583-A7D6-63B27365EB3C}"/>
-              </a:ext>
-            </a:extLst>
-          </p:cNvPr>
-          <p:cNvSpPr>
-            <a:spLocks noGrp="1"/>
-          </p:cNvSpPr>
-          <p:nvPr>
-            <p:ph type="title"/>
-          </p:nvPr>
-        </p:nvSpPr>
-        <p:spPr>
-          <a:xfrm>
-            <a:off x="581647" y="349664"/>
-            <a:ext cx="5562868" cy="1638377"/>
-          </a:xfrm>
-        </p:spPr>
-        <p:txBody>
-          <a:bodyPr anchor="b">
-            <a:normAutofit/>
-          </a:bodyPr>
-          <a:lstStyle/>
-          <a:p>
-            <a:r>
-              <a:rPr lang="en-US" sz="4800" dirty="0"/>
-              <a:t>Basics of the Sampling Distribution</a:t>
-            </a:r>
-          </a:p>
-        </p:txBody>
-      </p:sp>
-      <p:sp>
-        <p:nvSpPr>
-          <p:cNvPr id="3" name="Content Placeholder 2">
-            <a:extLst>
-              <a:ext uri="{FF2B5EF4-FFF2-40B4-BE49-F238E27FC236}">
-                <a16:creationId xmlns:a16="http://schemas.microsoft.com/office/drawing/2014/main" id="{68832019-0569-43E9-8CF7-9A87919E037A}"/>
-              </a:ext>
-            </a:extLst>
-          </p:cNvPr>
-          <p:cNvSpPr>
-            <a:spLocks noGrp="1"/>
-          </p:cNvSpPr>
-          <p:nvPr>
-            <p:ph idx="1"/>
-          </p:nvPr>
-        </p:nvSpPr>
-        <p:spPr>
-          <a:xfrm>
-            <a:off x="587988" y="2620641"/>
-            <a:ext cx="5555425" cy="3023702"/>
-          </a:xfrm>
-        </p:spPr>
-        <p:txBody>
-          <a:bodyPr anchor="ctr">
-            <a:normAutofit lnSpcReduction="10000"/>
-          </a:bodyPr>
-          <a:lstStyle/>
-          <a:p>
-            <a:r>
-              <a:rPr lang="en-US" sz="1800" dirty="0"/>
-              <a:t>The mean of all possible sample means is equal to the population mean </a:t>
-            </a:r>
-          </a:p>
-          <a:p>
-            <a:r>
-              <a:rPr lang="en-US" sz="1800" dirty="0"/>
-              <a:t>The variance of the sample means is related to the population variance </a:t>
-            </a:r>
-          </a:p>
-          <a:p>
-            <a:r>
-              <a:rPr lang="en-US" sz="1800" dirty="0"/>
-              <a:t>The sampling distribution is mound shaped </a:t>
-            </a:r>
-          </a:p>
-          <a:p>
-            <a:pPr lvl="1"/>
-            <a:r>
-              <a:rPr lang="en-US" sz="1800" dirty="0"/>
-              <a:t>Consistent with the Central-Limit Theorem, regardless of the shape of the distribution of the variable in the population, with a sample size of 30, the distribution of sample means becomes normally distributed </a:t>
-            </a:r>
-          </a:p>
-          <a:p>
-            <a:r>
-              <a:rPr lang="en-US" sz="2200" dirty="0">
-                <a:hlinkClick r:id="rId3"/>
-              </a:rPr>
-              <a:t>Link for visualization </a:t>
-            </a:r>
-            <a:endParaRPr lang="en-US" sz="2200" dirty="0"/>
-          </a:p>
-        </p:txBody>
-      </p:sp>
-      <p:pic>
-        <p:nvPicPr>
-          <p:cNvPr id="3076" name="Picture 4" descr="Variance (video lessons, formula, examples, solutions)">
-            <a:extLst>
-              <a:ext uri="{FF2B5EF4-FFF2-40B4-BE49-F238E27FC236}">
-                <a16:creationId xmlns:a16="http://schemas.microsoft.com/office/drawing/2014/main" id="{E285EEC6-DE5D-4C05-9A8B-4DB06EFDA2B1}"/>
-              </a:ext>
-            </a:extLst>
-          </p:cNvPr>
-          <p:cNvPicPr>
-            <a:picLocks noChangeAspect="1" noChangeArrowheads="1"/>
-          </p:cNvPicPr>
-          <p:nvPr/>
-        </p:nvPicPr>
-        <p:blipFill>
-          <a:blip r:embed="rId4">
-            <a:extLst>
-              <a:ext uri="{28A0092B-C50C-407E-A947-70E740481C1C}">
-                <a14:useLocalDpi xmlns:a14="http://schemas.microsoft.com/office/drawing/2010/main" val="0"/>
-              </a:ext>
-            </a:extLst>
-          </a:blip>
-          <a:stretch>
-            <a:fillRect/>
-          </a:stretch>
-        </p:blipFill>
-        <p:spPr bwMode="auto">
-          <a:xfrm>
-            <a:off x="7333745" y="417768"/>
-            <a:ext cx="3961879" cy="2665800"/>
-          </a:xfrm>
-          <a:prstGeom prst="rect">
-            <a:avLst/>
-          </a:prstGeom>
-          <a:noFill/>
-          <a:extLst>
-            <a:ext uri="{909E8E84-426E-40DD-AFC4-6F175D3DCCD1}">
-              <a14:hiddenFill xmlns:a14="http://schemas.microsoft.com/office/drawing/2010/main">
-                <a:solidFill>
-                  <a:srgbClr val="FFFFFF"/>
-                </a:solidFill>
-              </a14:hiddenFill>
-            </a:ext>
-          </a:extLst>
-        </p:spPr>
-      </p:pic>
-      <p:pic>
-        <p:nvPicPr>
-          <p:cNvPr id="3074" name="Picture 2" descr="Central Limit Theorem In Action. And examples from its practical… | by  Ceren Iyim | Towards Data Science">
-            <a:extLst>
-              <a:ext uri="{FF2B5EF4-FFF2-40B4-BE49-F238E27FC236}">
-                <a16:creationId xmlns:a16="http://schemas.microsoft.com/office/drawing/2014/main" id="{DD26947B-CCBD-42AE-B229-F548CEFD5B2C}"/>
-              </a:ext>
-            </a:extLst>
-          </p:cNvPr>
-          <p:cNvPicPr>
-            <a:picLocks noChangeAspect="1" noChangeArrowheads="1"/>
-          </p:cNvPicPr>
-          <p:nvPr/>
-        </p:nvPicPr>
-        <p:blipFill>
-          <a:blip r:embed="rId5">
-            <a:extLst>
-              <a:ext uri="{28A0092B-C50C-407E-A947-70E740481C1C}">
-                <a14:useLocalDpi xmlns:a14="http://schemas.microsoft.com/office/drawing/2010/main" val="0"/>
-              </a:ext>
-            </a:extLst>
-          </a:blip>
-          <a:stretch>
-            <a:fillRect/>
-          </a:stretch>
-        </p:blipFill>
-        <p:spPr bwMode="auto">
-          <a:xfrm>
-            <a:off x="6949163" y="3889974"/>
-            <a:ext cx="4731046" cy="2380494"/>
-          </a:xfrm>
-          <a:prstGeom prst="rect">
-            <a:avLst/>
-          </a:prstGeom>
-          <a:noFill/>
-          <a:extLst>
-            <a:ext uri="{909E8E84-426E-40DD-AFC4-6F175D3DCCD1}">
-              <a14:hiddenFill xmlns:a14="http://schemas.microsoft.com/office/drawing/2010/main">
-                <a:solidFill>
-                  <a:srgbClr val="FFFFFF"/>
-                </a:solidFill>
-              </a14:hiddenFill>
-            </a:ext>
-          </a:extLst>
-        </p:spPr>
-      </p:pic>
-    </p:spTree>
-    <p:extLst>
-      <p:ext uri="{BB962C8B-B14F-4D97-AF65-F5344CB8AC3E}">
-        <p14:creationId xmlns:p14="http://schemas.microsoft.com/office/powerpoint/2010/main" val="102022569"/>
       </p:ext>
     </p:extLst>
   </p:cSld>
@@ -35829,6 +36027,15 @@
 </file>
 
 <file path=customXml/item1.xml><?xml version="1.0" encoding="utf-8"?>
+<?mso-contentType ?>
+<FormTemplates xmlns="http://schemas.microsoft.com/sharepoint/v3/contenttype/forms">
+  <Display>DocumentLibraryForm</Display>
+  <Edit>DocumentLibraryForm</Edit>
+  <New>DocumentLibraryForm</New>
+</FormTemplates>
+</file>
+
+<file path=customXml/item2.xml><?xml version="1.0" encoding="utf-8"?>
 <ct:contentTypeSchema xmlns:ct="http://schemas.microsoft.com/office/2006/metadata/contentType" xmlns:ma="http://schemas.microsoft.com/office/2006/metadata/properties/metaAttributes" ct:_="" ma:_="" ma:contentTypeName="Document" ma:contentTypeID="0x01010079F111ED35F8CC479449609E8A0923A6" ma:contentTypeVersion="11" ma:contentTypeDescription="Create a new document." ma:contentTypeScope="" ma:versionID="96291512c1ee715ab617f4c07df79fc1">
   <xsd:schema xmlns:xsd="http://www.w3.org/2001/XMLSchema" xmlns:xs="http://www.w3.org/2001/XMLSchema" xmlns:p="http://schemas.microsoft.com/office/2006/metadata/properties" xmlns:ns2="71af3243-3dd4-4a8d-8c0d-dd76da1f02a5" xmlns:ns3="16c05727-aa75-4e4a-9b5f-8a80a1165891" targetNamespace="http://schemas.microsoft.com/office/2006/metadata/properties" ma:root="true" ma:fieldsID="8256c27c40ca5c40ce1cf6c44f0205df" ns2:_="" ns3:_="">
     <xsd:import namespace="71af3243-3dd4-4a8d-8c0d-dd76da1f02a5"/>
@@ -36039,15 +36246,6 @@
 </ct:contentTypeSchema>
 </file>
 
-<file path=customXml/item2.xml><?xml version="1.0" encoding="utf-8"?>
-<?mso-contentType ?>
-<FormTemplates xmlns="http://schemas.microsoft.com/sharepoint/v3/contenttype/forms">
-  <Display>DocumentLibraryForm</Display>
-  <Edit>DocumentLibraryForm</Edit>
-  <New>DocumentLibraryForm</New>
-</FormTemplates>
-</file>
-
 <file path=customXml/item3.xml><?xml version="1.0" encoding="utf-8"?>
 <p:properties xmlns:p="http://schemas.microsoft.com/office/2006/metadata/properties" xmlns:xsi="http://www.w3.org/2001/XMLSchema-instance" xmlns:pc="http://schemas.microsoft.com/office/infopath/2007/PartnerControls">
   <documentManagement>
@@ -36057,6 +36255,14 @@
 </file>
 
 <file path=customXml/itemProps1.xml><?xml version="1.0" encoding="utf-8"?>
+<ds:datastoreItem xmlns:ds="http://schemas.openxmlformats.org/officeDocument/2006/customXml" ds:itemID="{5CA875DA-F9FD-4F83-A049-3B1027B542DE}">
+  <ds:schemaRefs>
+    <ds:schemaRef ds:uri="http://schemas.microsoft.com/sharepoint/v3/contenttype/forms"/>
+  </ds:schemaRefs>
+</ds:datastoreItem>
+</file>
+
+<file path=customXml/itemProps2.xml><?xml version="1.0" encoding="utf-8"?>
 <ds:datastoreItem xmlns:ds="http://schemas.openxmlformats.org/officeDocument/2006/customXml" ds:itemID="{B2AB02E3-5ADF-4BF0-9C1B-35CDF3FE95B0}">
   <ds:schemaRefs>
     <ds:schemaRef ds:uri="http://schemas.microsoft.com/office/2006/metadata/contentType"/>
@@ -36075,14 +36281,6 @@
 </ds:datastoreItem>
 </file>
 
-<file path=customXml/itemProps2.xml><?xml version="1.0" encoding="utf-8"?>
-<ds:datastoreItem xmlns:ds="http://schemas.openxmlformats.org/officeDocument/2006/customXml" ds:itemID="{5CA875DA-F9FD-4F83-A049-3B1027B542DE}">
-  <ds:schemaRefs>
-    <ds:schemaRef ds:uri="http://schemas.microsoft.com/sharepoint/v3/contenttype/forms"/>
-  </ds:schemaRefs>
-</ds:datastoreItem>
-</file>
-
 <file path=customXml/itemProps3.xml><?xml version="1.0" encoding="utf-8"?>
 <ds:datastoreItem xmlns:ds="http://schemas.openxmlformats.org/officeDocument/2006/customXml" ds:itemID="{03C7D9E6-B0D9-433E-BD46-EB60F64F4DA8}">
   <ds:schemaRefs>

--- a/lectures/7/Developing the sampling plan.pptx
+++ b/lectures/7/Developing the sampling plan.pptx
@@ -6076,7 +6076,7 @@
           <a:p>
             <a:fld id="{73B2889B-A0AC-4482-8592-5C96F2309420}" type="datetimeFigureOut">
               <a:rPr lang="en-US" smtClean="0"/>
-              <a:t>3/1/2022</a:t>
+              <a:t>3/2/2022</a:t>
             </a:fld>
             <a:endParaRPr lang="en-US"/>
           </a:p>
@@ -6253,7 +6253,7 @@
           <a:p>
             <a:fld id="{830EB223-FFC0-462A-A3B8-EAA7CE0F8CBD}" type="datetimeFigureOut">
               <a:rPr lang="en-US" smtClean="0"/>
-              <a:t>3/1/2022</a:t>
+              <a:t>3/2/2022</a:t>
             </a:fld>
             <a:endParaRPr lang="en-US" dirty="0"/>
           </a:p>
@@ -9230,7 +9230,7 @@
           <a:p>
             <a:fld id="{DECF21A4-E71B-4D3A-AF45-E989C23A7BB1}" type="datetimeFigureOut">
               <a:rPr lang="en-US" smtClean="0"/>
-              <a:t>3/1/2022</a:t>
+              <a:t>3/2/2022</a:t>
             </a:fld>
             <a:endParaRPr lang="en-US" dirty="0"/>
           </a:p>
@@ -9428,7 +9428,7 @@
           <a:p>
             <a:fld id="{DECF21A4-E71B-4D3A-AF45-E989C23A7BB1}" type="datetimeFigureOut">
               <a:rPr lang="en-US" smtClean="0"/>
-              <a:t>3/1/2022</a:t>
+              <a:t>3/2/2022</a:t>
             </a:fld>
             <a:endParaRPr lang="en-US" dirty="0"/>
           </a:p>
@@ -9636,7 +9636,7 @@
           <a:p>
             <a:fld id="{DECF21A4-E71B-4D3A-AF45-E989C23A7BB1}" type="datetimeFigureOut">
               <a:rPr lang="en-US" smtClean="0"/>
-              <a:t>3/1/2022</a:t>
+              <a:t>3/2/2022</a:t>
             </a:fld>
             <a:endParaRPr lang="en-US" dirty="0"/>
           </a:p>
@@ -9834,7 +9834,7 @@
           <a:p>
             <a:fld id="{DECF21A4-E71B-4D3A-AF45-E989C23A7BB1}" type="datetimeFigureOut">
               <a:rPr lang="en-US" smtClean="0"/>
-              <a:t>3/1/2022</a:t>
+              <a:t>3/2/2022</a:t>
             </a:fld>
             <a:endParaRPr lang="en-US" dirty="0"/>
           </a:p>
@@ -10109,7 +10109,7 @@
           <a:p>
             <a:fld id="{DECF21A4-E71B-4D3A-AF45-E989C23A7BB1}" type="datetimeFigureOut">
               <a:rPr lang="en-US" smtClean="0"/>
-              <a:t>3/1/2022</a:t>
+              <a:t>3/2/2022</a:t>
             </a:fld>
             <a:endParaRPr lang="en-US" dirty="0"/>
           </a:p>
@@ -10374,7 +10374,7 @@
           <a:p>
             <a:fld id="{DECF21A4-E71B-4D3A-AF45-E989C23A7BB1}" type="datetimeFigureOut">
               <a:rPr lang="en-US" smtClean="0"/>
-              <a:t>3/1/2022</a:t>
+              <a:t>3/2/2022</a:t>
             </a:fld>
             <a:endParaRPr lang="en-US" dirty="0"/>
           </a:p>
@@ -10786,7 +10786,7 @@
           <a:p>
             <a:fld id="{DECF21A4-E71B-4D3A-AF45-E989C23A7BB1}" type="datetimeFigureOut">
               <a:rPr lang="en-US" smtClean="0"/>
-              <a:t>3/1/2022</a:t>
+              <a:t>3/2/2022</a:t>
             </a:fld>
             <a:endParaRPr lang="en-US" dirty="0"/>
           </a:p>
@@ -10927,7 +10927,7 @@
           <a:p>
             <a:fld id="{DECF21A4-E71B-4D3A-AF45-E989C23A7BB1}" type="datetimeFigureOut">
               <a:rPr lang="en-US" smtClean="0"/>
-              <a:t>3/1/2022</a:t>
+              <a:t>3/2/2022</a:t>
             </a:fld>
             <a:endParaRPr lang="en-US" dirty="0"/>
           </a:p>
@@ -11040,7 +11040,7 @@
           <a:p>
             <a:fld id="{DECF21A4-E71B-4D3A-AF45-E989C23A7BB1}" type="datetimeFigureOut">
               <a:rPr lang="en-US" smtClean="0"/>
-              <a:t>3/1/2022</a:t>
+              <a:t>3/2/2022</a:t>
             </a:fld>
             <a:endParaRPr lang="en-US" dirty="0"/>
           </a:p>
@@ -11351,7 +11351,7 @@
           <a:p>
             <a:fld id="{DECF21A4-E71B-4D3A-AF45-E989C23A7BB1}" type="datetimeFigureOut">
               <a:rPr lang="en-US" smtClean="0"/>
-              <a:t>3/1/2022</a:t>
+              <a:t>3/2/2022</a:t>
             </a:fld>
             <a:endParaRPr lang="en-US" dirty="0"/>
           </a:p>
@@ -11643,7 +11643,7 @@
           <a:p>
             <a:fld id="{DECF21A4-E71B-4D3A-AF45-E989C23A7BB1}" type="datetimeFigureOut">
               <a:rPr lang="en-US" smtClean="0"/>
-              <a:t>3/1/2022</a:t>
+              <a:t>3/2/2022</a:t>
             </a:fld>
             <a:endParaRPr lang="en-US" dirty="0"/>
           </a:p>
@@ -11884,7 +11884,7 @@
           <a:p>
             <a:fld id="{DECF21A4-E71B-4D3A-AF45-E989C23A7BB1}" type="datetimeFigureOut">
               <a:rPr lang="en-US" smtClean="0"/>
-              <a:t>3/1/2022</a:t>
+              <a:t>3/2/2022</a:t>
             </a:fld>
             <a:endParaRPr lang="en-US" dirty="0"/>
           </a:p>
@@ -32283,7 +32283,7 @@
           <a:p>
             <a:r>
               <a:rPr lang="en-US" sz="2400" dirty="0"/>
-              <a:t>25 questions (200 points) with 2 extra credit questions (16 points) in </a:t>
+              <a:t>30 questions (150 points) within </a:t>
             </a:r>
             <a:r>
               <a:rPr lang="en-US" sz="2400" b="1" dirty="0"/>
@@ -36027,15 +36027,6 @@
 </file>
 
 <file path=customXml/item1.xml><?xml version="1.0" encoding="utf-8"?>
-<?mso-contentType ?>
-<FormTemplates xmlns="http://schemas.microsoft.com/sharepoint/v3/contenttype/forms">
-  <Display>DocumentLibraryForm</Display>
-  <Edit>DocumentLibraryForm</Edit>
-  <New>DocumentLibraryForm</New>
-</FormTemplates>
-</file>
-
-<file path=customXml/item2.xml><?xml version="1.0" encoding="utf-8"?>
 <ct:contentTypeSchema xmlns:ct="http://schemas.microsoft.com/office/2006/metadata/contentType" xmlns:ma="http://schemas.microsoft.com/office/2006/metadata/properties/metaAttributes" ct:_="" ma:_="" ma:contentTypeName="Document" ma:contentTypeID="0x01010079F111ED35F8CC479449609E8A0923A6" ma:contentTypeVersion="11" ma:contentTypeDescription="Create a new document." ma:contentTypeScope="" ma:versionID="96291512c1ee715ab617f4c07df79fc1">
   <xsd:schema xmlns:xsd="http://www.w3.org/2001/XMLSchema" xmlns:xs="http://www.w3.org/2001/XMLSchema" xmlns:p="http://schemas.microsoft.com/office/2006/metadata/properties" xmlns:ns2="71af3243-3dd4-4a8d-8c0d-dd76da1f02a5" xmlns:ns3="16c05727-aa75-4e4a-9b5f-8a80a1165891" targetNamespace="http://schemas.microsoft.com/office/2006/metadata/properties" ma:root="true" ma:fieldsID="8256c27c40ca5c40ce1cf6c44f0205df" ns2:_="" ns3:_="">
     <xsd:import namespace="71af3243-3dd4-4a8d-8c0d-dd76da1f02a5"/>
@@ -36246,6 +36237,15 @@
 </ct:contentTypeSchema>
 </file>
 
+<file path=customXml/item2.xml><?xml version="1.0" encoding="utf-8"?>
+<?mso-contentType ?>
+<FormTemplates xmlns="http://schemas.microsoft.com/sharepoint/v3/contenttype/forms">
+  <Display>DocumentLibraryForm</Display>
+  <Edit>DocumentLibraryForm</Edit>
+  <New>DocumentLibraryForm</New>
+</FormTemplates>
+</file>
+
 <file path=customXml/item3.xml><?xml version="1.0" encoding="utf-8"?>
 <p:properties xmlns:p="http://schemas.microsoft.com/office/2006/metadata/properties" xmlns:xsi="http://www.w3.org/2001/XMLSchema-instance" xmlns:pc="http://schemas.microsoft.com/office/infopath/2007/PartnerControls">
   <documentManagement>
@@ -36255,14 +36255,6 @@
 </file>
 
 <file path=customXml/itemProps1.xml><?xml version="1.0" encoding="utf-8"?>
-<ds:datastoreItem xmlns:ds="http://schemas.openxmlformats.org/officeDocument/2006/customXml" ds:itemID="{5CA875DA-F9FD-4F83-A049-3B1027B542DE}">
-  <ds:schemaRefs>
-    <ds:schemaRef ds:uri="http://schemas.microsoft.com/sharepoint/v3/contenttype/forms"/>
-  </ds:schemaRefs>
-</ds:datastoreItem>
-</file>
-
-<file path=customXml/itemProps2.xml><?xml version="1.0" encoding="utf-8"?>
 <ds:datastoreItem xmlns:ds="http://schemas.openxmlformats.org/officeDocument/2006/customXml" ds:itemID="{B2AB02E3-5ADF-4BF0-9C1B-35CDF3FE95B0}">
   <ds:schemaRefs>
     <ds:schemaRef ds:uri="http://schemas.microsoft.com/office/2006/metadata/contentType"/>
@@ -36281,6 +36273,14 @@
 </ds:datastoreItem>
 </file>
 
+<file path=customXml/itemProps2.xml><?xml version="1.0" encoding="utf-8"?>
+<ds:datastoreItem xmlns:ds="http://schemas.openxmlformats.org/officeDocument/2006/customXml" ds:itemID="{5CA875DA-F9FD-4F83-A049-3B1027B542DE}">
+  <ds:schemaRefs>
+    <ds:schemaRef ds:uri="http://schemas.microsoft.com/sharepoint/v3/contenttype/forms"/>
+  </ds:schemaRefs>
+</ds:datastoreItem>
+</file>
+
 <file path=customXml/itemProps3.xml><?xml version="1.0" encoding="utf-8"?>
 <ds:datastoreItem xmlns:ds="http://schemas.openxmlformats.org/officeDocument/2006/customXml" ds:itemID="{03C7D9E6-B0D9-433E-BD46-EB60F64F4DA8}">
   <ds:schemaRefs>
